--- a/Presentation/Wind prediction.pptx
+++ b/Presentation/Wind prediction.pptx
@@ -18,6 +18,7 @@
     <p:sldId id="261" r:id="rId13"/>
     <p:sldId id="262" r:id="rId14"/>
     <p:sldId id="263" r:id="rId15"/>
+    <p:sldId id="264" r:id="rId16"/>
   </p:sldIdLst>
   <p:sldSz cy="5143500" cx="9144000"/>
   <p:notesSz cx="6858000" cy="9144000"/>
@@ -1011,7 +1012,7 @@
       </p:grpSpPr>
       <p:sp>
         <p:nvSpPr>
-          <p:cNvPr id="122" name="Google Shape;122;ge78f923fac_4_64:notes"/>
+          <p:cNvPr id="122" name="Google Shape;122;gb84ff50507_3_0:notes"/>
           <p:cNvSpPr txBox="1"/>
           <p:nvPr>
             <p:ph idx="1" type="body"/>
@@ -1050,7 +1051,7 @@
       </p:sp>
       <p:sp>
         <p:nvSpPr>
-          <p:cNvPr id="123" name="Google Shape;123;ge78f923fac_4_64:notes"/>
+          <p:cNvPr id="123" name="Google Shape;123;gb84ff50507_3_0:notes"/>
           <p:cNvSpPr/>
           <p:nvPr>
             <p:ph idx="2" type="sldImg"/>
@@ -1110,7 +1111,46 @@
       </p:grpSpPr>
       <p:sp>
         <p:nvSpPr>
-          <p:cNvPr id="128" name="Google Shape;128;ge78f923fac_8_3:notes"/>
+          <p:cNvPr id="128" name="Google Shape;128;ge78f923fac_4_64:notes"/>
+          <p:cNvSpPr txBox="1"/>
+          <p:nvPr>
+            <p:ph idx="1" type="body"/>
+          </p:nvPr>
+        </p:nvSpPr>
+        <p:spPr>
+          <a:xfrm>
+            <a:off x="685800" y="4343400"/>
+            <a:ext cx="5486400" cy="4114800"/>
+          </a:xfrm>
+          <a:prstGeom prst="rect">
+            <a:avLst/>
+          </a:prstGeom>
+        </p:spPr>
+        <p:txBody>
+          <a:bodyPr anchorCtr="0" anchor="t" bIns="91425" lIns="91425" spcFirstLastPara="1" rIns="91425" wrap="square" tIns="91425">
+            <a:noAutofit/>
+          </a:bodyPr>
+          <a:lstStyle/>
+          <a:p>
+            <a:pPr indent="0" lvl="0" marL="0" rtl="0" algn="l">
+              <a:spcBef>
+                <a:spcPts val="0"/>
+              </a:spcBef>
+              <a:spcAft>
+                <a:spcPts val="0"/>
+              </a:spcAft>
+              <a:buNone/>
+            </a:pPr>
+            <a:r>
+              <a:t/>
+            </a:r>
+            <a:endParaRPr/>
+          </a:p>
+        </p:txBody>
+      </p:sp>
+      <p:sp>
+        <p:nvSpPr>
+          <p:cNvPr id="129" name="Google Shape;129;ge78f923fac_4_64:notes"/>
           <p:cNvSpPr/>
           <p:nvPr>
             <p:ph idx="2" type="sldImg"/>
@@ -1118,8 +1158,8 @@
         </p:nvSpPr>
         <p:spPr>
           <a:xfrm>
-            <a:off x="381300" y="685800"/>
-            <a:ext cx="6096000" cy="3429000"/>
+            <a:off x="1143225" y="685800"/>
+            <a:ext cx="4572300" cy="3429000"/>
           </a:xfrm>
           <a:custGeom>
             <a:rect b="b" l="l" r="r" t="t"/>
@@ -1142,45 +1182,6 @@
             </a:pathLst>
           </a:custGeom>
         </p:spPr>
-      </p:sp>
-      <p:sp>
-        <p:nvSpPr>
-          <p:cNvPr id="129" name="Google Shape;129;ge78f923fac_8_3:notes"/>
-          <p:cNvSpPr txBox="1"/>
-          <p:nvPr>
-            <p:ph idx="1" type="body"/>
-          </p:nvPr>
-        </p:nvSpPr>
-        <p:spPr>
-          <a:xfrm>
-            <a:off x="685800" y="4343400"/>
-            <a:ext cx="5486400" cy="4114800"/>
-          </a:xfrm>
-          <a:prstGeom prst="rect">
-            <a:avLst/>
-          </a:prstGeom>
-        </p:spPr>
-        <p:txBody>
-          <a:bodyPr anchorCtr="0" anchor="t" bIns="91425" lIns="91425" spcFirstLastPara="1" rIns="91425" wrap="square" tIns="91425">
-            <a:noAutofit/>
-          </a:bodyPr>
-          <a:lstStyle/>
-          <a:p>
-            <a:pPr indent="0" lvl="0" marL="0" rtl="0" algn="l">
-              <a:spcBef>
-                <a:spcPts val="0"/>
-              </a:spcBef>
-              <a:spcAft>
-                <a:spcPts val="0"/>
-              </a:spcAft>
-              <a:buNone/>
-            </a:pPr>
-            <a:r>
-              <a:t/>
-            </a:r>
-            <a:endParaRPr/>
-          </a:p>
-        </p:txBody>
       </p:sp>
     </p:spTree>
   </p:cSld>
@@ -1308,7 +1309,42 @@
       </p:grpSpPr>
       <p:sp>
         <p:nvSpPr>
-          <p:cNvPr id="141" name="Google Shape;141;ge78f923fac_0_11:notes"/>
+          <p:cNvPr id="141" name="Google Shape;141;ge78f923fac_8_3:notes"/>
+          <p:cNvSpPr/>
+          <p:nvPr>
+            <p:ph idx="2" type="sldImg"/>
+          </p:nvPr>
+        </p:nvSpPr>
+        <p:spPr>
+          <a:xfrm>
+            <a:off x="381300" y="685800"/>
+            <a:ext cx="6096000" cy="3429000"/>
+          </a:xfrm>
+          <a:custGeom>
+            <a:rect b="b" l="l" r="r" t="t"/>
+            <a:pathLst>
+              <a:path extrusionOk="0" h="120000" w="120000">
+                <a:moveTo>
+                  <a:pt x="0" y="0"/>
+                </a:moveTo>
+                <a:lnTo>
+                  <a:pt x="120000" y="0"/>
+                </a:lnTo>
+                <a:lnTo>
+                  <a:pt x="120000" y="120000"/>
+                </a:lnTo>
+                <a:lnTo>
+                  <a:pt x="0" y="120000"/>
+                </a:lnTo>
+                <a:close/>
+              </a:path>
+            </a:pathLst>
+          </a:custGeom>
+        </p:spPr>
+      </p:sp>
+      <p:sp>
+        <p:nvSpPr>
+          <p:cNvPr id="142" name="Google Shape;142;ge78f923fac_8_3:notes"/>
           <p:cNvSpPr txBox="1"/>
           <p:nvPr>
             <p:ph idx="1" type="body"/>
@@ -1345,9 +1381,73 @@
           </a:p>
         </p:txBody>
       </p:sp>
+    </p:spTree>
+  </p:cSld>
+  <p:clrMapOvr>
+    <a:masterClrMapping/>
+  </p:clrMapOvr>
+</p:notes>
+</file>
+
+<file path=ppt/notesSlides/notesSlide8.xml><?xml version="1.0" encoding="utf-8"?>
+<p:notes xmlns:a="http://schemas.openxmlformats.org/drawingml/2006/main" xmlns:r="http://schemas.openxmlformats.org/officeDocument/2006/relationships" xmlns:mc="http://schemas.openxmlformats.org/markup-compatibility/2006" xmlns:mv="urn:schemas-microsoft-com:mac:vml" xmlns:p="http://schemas.openxmlformats.org/presentationml/2006/main" xmlns:c="http://schemas.openxmlformats.org/drawingml/2006/chart" xmlns:dgm="http://schemas.openxmlformats.org/drawingml/2006/diagram" xmlns:o="urn:schemas-microsoft-com:office:office" xmlns:v="urn:schemas-microsoft-com:vml" xmlns:pvml="urn:schemas-microsoft-com:office:powerpoint" xmlns:com="http://schemas.openxmlformats.org/drawingml/2006/compatibility" xmlns:p14="http://schemas.microsoft.com/office/powerpoint/2010/main" xmlns:p15="http://schemas.microsoft.com/office/powerpoint/2012/main" xmlns:ahyp="http://schemas.microsoft.com/office/drawing/2018/hyperlinkcolor" showMasterPhAnim="0" showMasterSp="0">
+  <p:cSld>
+    <p:spTree>
+      <p:nvGrpSpPr>
+        <p:cNvPr id="146" name="Shape 146"/>
+        <p:cNvGrpSpPr/>
+        <p:nvPr/>
+      </p:nvGrpSpPr>
+      <p:grpSpPr>
+        <a:xfrm>
+          <a:off x="0" y="0"/>
+          <a:ext cx="0" cy="0"/>
+          <a:chOff x="0" y="0"/>
+          <a:chExt cx="0" cy="0"/>
+        </a:xfrm>
+      </p:grpSpPr>
       <p:sp>
         <p:nvSpPr>
-          <p:cNvPr id="142" name="Google Shape;142;ge78f923fac_0_11:notes"/>
+          <p:cNvPr id="147" name="Google Shape;147;ge78f923fac_0_11:notes"/>
+          <p:cNvSpPr txBox="1"/>
+          <p:nvPr>
+            <p:ph idx="1" type="body"/>
+          </p:nvPr>
+        </p:nvSpPr>
+        <p:spPr>
+          <a:xfrm>
+            <a:off x="685800" y="4343400"/>
+            <a:ext cx="5486400" cy="4114800"/>
+          </a:xfrm>
+          <a:prstGeom prst="rect">
+            <a:avLst/>
+          </a:prstGeom>
+        </p:spPr>
+        <p:txBody>
+          <a:bodyPr anchorCtr="0" anchor="t" bIns="91425" lIns="91425" spcFirstLastPara="1" rIns="91425" wrap="square" tIns="91425">
+            <a:noAutofit/>
+          </a:bodyPr>
+          <a:lstStyle/>
+          <a:p>
+            <a:pPr indent="0" lvl="0" marL="0" rtl="0" algn="l">
+              <a:spcBef>
+                <a:spcPts val="0"/>
+              </a:spcBef>
+              <a:spcAft>
+                <a:spcPts val="0"/>
+              </a:spcAft>
+              <a:buNone/>
+            </a:pPr>
+            <a:r>
+              <a:t/>
+            </a:r>
+            <a:endParaRPr/>
+          </a:p>
+        </p:txBody>
+      </p:sp>
+      <p:sp>
+        <p:nvSpPr>
+          <p:cNvPr id="148" name="Google Shape;148;ge78f923fac_0_11:notes"/>
           <p:cNvSpPr/>
           <p:nvPr>
             <p:ph idx="2" type="sldImg"/>
@@ -1388,12 +1488,12 @@
 </p:notes>
 </file>
 
-<file path=ppt/notesSlides/notesSlide8.xml><?xml version="1.0" encoding="utf-8"?>
+<file path=ppt/notesSlides/notesSlide9.xml><?xml version="1.0" encoding="utf-8"?>
 <p:notes xmlns:a="http://schemas.openxmlformats.org/drawingml/2006/main" xmlns:r="http://schemas.openxmlformats.org/officeDocument/2006/relationships" xmlns:mc="http://schemas.openxmlformats.org/markup-compatibility/2006" xmlns:mv="urn:schemas-microsoft-com:mac:vml" xmlns:p="http://schemas.openxmlformats.org/presentationml/2006/main" xmlns:c="http://schemas.openxmlformats.org/drawingml/2006/chart" xmlns:dgm="http://schemas.openxmlformats.org/drawingml/2006/diagram" xmlns:o="urn:schemas-microsoft-com:office:office" xmlns:v="urn:schemas-microsoft-com:vml" xmlns:pvml="urn:schemas-microsoft-com:office:powerpoint" xmlns:com="http://schemas.openxmlformats.org/drawingml/2006/compatibility" xmlns:p14="http://schemas.microsoft.com/office/powerpoint/2010/main" xmlns:p15="http://schemas.microsoft.com/office/powerpoint/2012/main" xmlns:ahyp="http://schemas.microsoft.com/office/drawing/2018/hyperlinkcolor" showMasterPhAnim="0" showMasterSp="0">
   <p:cSld>
     <p:spTree>
       <p:nvGrpSpPr>
-        <p:cNvPr id="147" name="Shape 147"/>
+        <p:cNvPr id="153" name="Shape 153"/>
         <p:cNvGrpSpPr/>
         <p:nvPr/>
       </p:nvGrpSpPr>
@@ -1407,7 +1507,7 @@
       </p:grpSpPr>
       <p:sp>
         <p:nvSpPr>
-          <p:cNvPr id="148" name="Google Shape;148;ge78f923fac_4_69:notes"/>
+          <p:cNvPr id="154" name="Google Shape;154;ge78f923fac_4_69:notes"/>
           <p:cNvSpPr txBox="1"/>
           <p:nvPr>
             <p:ph idx="1" type="body"/>
@@ -1446,7 +1546,7 @@
       </p:sp>
       <p:sp>
         <p:nvSpPr>
-          <p:cNvPr id="149" name="Google Shape;149;ge78f923fac_4_69:notes"/>
+          <p:cNvPr id="155" name="Google Shape;155;ge78f923fac_4_69:notes"/>
           <p:cNvSpPr/>
           <p:nvPr>
             <p:ph idx="2" type="sldImg"/>
@@ -11496,7 +11596,7 @@
         </p:nvSpPr>
         <p:spPr>
           <a:xfrm>
-            <a:off x="5175653" y="3286650"/>
+            <a:off x="5175650" y="3457925"/>
             <a:ext cx="3760800" cy="1577700"/>
           </a:xfrm>
           <a:prstGeom prst="rect">
@@ -11658,7 +11758,19 @@
                 <a:cs typeface="Arial"/>
                 <a:sym typeface="Arial"/>
               </a:rPr>
-              <a:t>TRIPTI MISHRA (18BCE0888)</a:t>
+              <a:t>TRIPTI MISHRA (18BCE088</a:t>
+            </a:r>
+            <a:r>
+              <a:rPr b="0" i="0" lang="en" u="none" cap="none" strike="noStrike">
+                <a:solidFill>
+                  <a:schemeClr val="lt1"/>
+                </a:solidFill>
+                <a:latin typeface="Arial"/>
+                <a:ea typeface="Arial"/>
+                <a:cs typeface="Arial"/>
+                <a:sym typeface="Arial"/>
+              </a:rPr>
+              <a:t>8)</a:t>
             </a:r>
             <a:endParaRPr b="0" i="0" u="none" cap="none" strike="noStrike">
               <a:solidFill>
@@ -12611,8 +12723,8 @@
         </p:nvSpPr>
         <p:spPr>
           <a:xfrm>
-            <a:off x="483231" y="407951"/>
-            <a:ext cx="4088700" cy="438600"/>
+            <a:off x="483224" y="407950"/>
+            <a:ext cx="4810200" cy="808200"/>
           </a:xfrm>
           <a:prstGeom prst="rect">
             <a:avLst/>
@@ -12643,15 +12755,7 @@
                   <a:schemeClr val="lt1"/>
                 </a:solidFill>
               </a:rPr>
-              <a:t>Advantages</a:t>
-            </a:r>
-            <a:r>
-              <a:rPr b="1" lang="en" sz="2400" u="sng">
-                <a:solidFill>
-                  <a:schemeClr val="lt1"/>
-                </a:solidFill>
-              </a:rPr>
-              <a:t>:</a:t>
+              <a:t>Hardware/Software Requirements</a:t>
             </a:r>
             <a:endParaRPr sz="1100"/>
           </a:p>
@@ -12665,21 +12769,15 @@
         </p:nvSpPr>
         <p:spPr>
           <a:xfrm>
-            <a:off x="479100" y="1290300"/>
-            <a:ext cx="8185800" cy="2839800"/>
+            <a:off x="483231" y="1440746"/>
+            <a:ext cx="8185800" cy="1916400"/>
           </a:xfrm>
           <a:prstGeom prst="rect">
             <a:avLst/>
           </a:prstGeom>
           <a:noFill/>
-          <a:ln cap="flat" cmpd="sng" w="9525">
-            <a:solidFill>
-              <a:srgbClr val="000000"/>
-            </a:solidFill>
-            <a:prstDash val="solid"/>
-            <a:round/>
-            <a:headEnd len="sm" w="sm" type="none"/>
-            <a:tailEnd len="sm" w="sm" type="none"/>
+          <a:ln>
+            <a:noFill/>
           </a:ln>
         </p:spPr>
         <p:txBody>
@@ -12687,35 +12785,6 @@
             <a:spAutoFit/>
           </a:bodyPr>
           <a:lstStyle/>
-          <a:p>
-            <a:pPr indent="-228600" lvl="0" marL="215900" marR="0" rtl="0" algn="l">
-              <a:spcBef>
-                <a:spcPts val="0"/>
-              </a:spcBef>
-              <a:spcAft>
-                <a:spcPts val="0"/>
-              </a:spcAft>
-              <a:buClr>
-                <a:srgbClr val="FEFEFE"/>
-              </a:buClr>
-              <a:buSzPts val="2000"/>
-              <a:buFont typeface="Arial"/>
-              <a:buChar char="•"/>
-            </a:pPr>
-            <a:r>
-              <a:rPr lang="en" sz="2000">
-                <a:solidFill>
-                  <a:srgbClr val="FEFEFE"/>
-                </a:solidFill>
-              </a:rPr>
-              <a:t>Reduces man power</a:t>
-            </a:r>
-            <a:endParaRPr sz="2000">
-              <a:solidFill>
-                <a:srgbClr val="FEFEFE"/>
-              </a:solidFill>
-            </a:endParaRPr>
-          </a:p>
           <a:p>
             <a:pPr indent="-228600" lvl="0" marL="215900" marR="0" rtl="0" algn="l">
               <a:spcBef>
@@ -12736,7 +12805,7 @@
                   <a:srgbClr val="FEFEFE"/>
                 </a:solidFill>
               </a:rPr>
-              <a:t>Easy to use and has a user friendly interface.</a:t>
+              <a:t>Cloud tool used: IBM</a:t>
             </a:r>
             <a:endParaRPr sz="2000">
               <a:solidFill>
@@ -12764,15 +12833,7 @@
                   <a:srgbClr val="FEFEFE"/>
                 </a:solidFill>
               </a:rPr>
-              <a:t>The weather conditions analysis that are not manually answered are responded to by the web </a:t>
-            </a:r>
-            <a:r>
-              <a:rPr lang="en" sz="2000">
-                <a:solidFill>
-                  <a:srgbClr val="FEFEFE"/>
-                </a:solidFill>
-              </a:rPr>
-              <a:t>dashboard.</a:t>
+              <a:t>IDE: Jupyter notebook, syder, Anaconda navigator</a:t>
             </a:r>
             <a:endParaRPr sz="2000">
               <a:solidFill>
@@ -12800,7 +12861,7 @@
                   <a:srgbClr val="FEFEFE"/>
                 </a:solidFill>
               </a:rPr>
-              <a:t>Results can be improved by training data to our choice of parameter.</a:t>
+              <a:t>Dependencies Required: Keras, Tensorflow, OpenCv</a:t>
             </a:r>
             <a:endParaRPr sz="2000">
               <a:solidFill>
@@ -12828,7 +12889,7 @@
                   <a:srgbClr val="FEFEFE"/>
                 </a:solidFill>
               </a:rPr>
-              <a:t>Weather analysis of different cities need not to be monitored.</a:t>
+              <a:t>Programming language(Back-end): Python 3.6</a:t>
             </a:r>
             <a:endParaRPr sz="2000">
               <a:solidFill>
@@ -12856,7 +12917,7 @@
                   <a:srgbClr val="FEFEFE"/>
                 </a:solidFill>
               </a:rPr>
-              <a:t>Can be used in areas with less connectivity as well.</a:t>
+              <a:t>Front-end: Html/css</a:t>
             </a:r>
             <a:endParaRPr sz="2000">
               <a:solidFill>
@@ -12884,35 +12945,7 @@
                   <a:srgbClr val="FEFEFE"/>
                 </a:solidFill>
               </a:rPr>
-              <a:t>Cost efficient</a:t>
-            </a:r>
-            <a:endParaRPr sz="2000">
-              <a:solidFill>
-                <a:srgbClr val="FEFEFE"/>
-              </a:solidFill>
-            </a:endParaRPr>
-          </a:p>
-          <a:p>
-            <a:pPr indent="-228600" lvl="0" marL="215900" marR="0" rtl="0" algn="l">
-              <a:spcBef>
-                <a:spcPts val="0"/>
-              </a:spcBef>
-              <a:spcAft>
-                <a:spcPts val="0"/>
-              </a:spcAft>
-              <a:buClr>
-                <a:srgbClr val="FEFEFE"/>
-              </a:buClr>
-              <a:buSzPts val="2000"/>
-              <a:buChar char="•"/>
-            </a:pPr>
-            <a:r>
-              <a:rPr lang="en" sz="2000">
-                <a:solidFill>
-                  <a:srgbClr val="FEFEFE"/>
-                </a:solidFill>
-              </a:rPr>
-              <a:t>Accurate results.</a:t>
+              <a:t>Framework:Flask</a:t>
             </a:r>
             <a:endParaRPr sz="2000">
               <a:solidFill>
@@ -13032,8 +13065,15 @@
 </file>
 
 <file path=ppt/slides/slide5.xml><?xml version="1.0" encoding="utf-8"?>
-<p:sld xmlns:a="http://schemas.openxmlformats.org/drawingml/2006/main" xmlns:r="http://schemas.openxmlformats.org/officeDocument/2006/relationships" xmlns:mc="http://schemas.openxmlformats.org/markup-compatibility/2006" xmlns:mv="urn:schemas-microsoft-com:mac:vml" xmlns:p="http://schemas.openxmlformats.org/presentationml/2006/main" xmlns:c="http://schemas.openxmlformats.org/drawingml/2006/chart" xmlns:dgm="http://schemas.openxmlformats.org/drawingml/2006/diagram" xmlns:o="urn:schemas-microsoft-com:office:office" xmlns:v="urn:schemas-microsoft-com:vml" xmlns:pvml="urn:schemas-microsoft-com:office:powerpoint" xmlns:com="http://schemas.openxmlformats.org/drawingml/2006/compatibility" xmlns:p14="http://schemas.microsoft.com/office/powerpoint/2010/main" xmlns:p15="http://schemas.microsoft.com/office/powerpoint/2012/main" xmlns:ahyp="http://schemas.microsoft.com/office/drawing/2018/hyperlinkcolor">
+<p:sld xmlns:a="http://schemas.openxmlformats.org/drawingml/2006/main" xmlns:r="http://schemas.openxmlformats.org/officeDocument/2006/relationships" xmlns:mc="http://schemas.openxmlformats.org/markup-compatibility/2006" xmlns:mv="urn:schemas-microsoft-com:mac:vml" xmlns:p="http://schemas.openxmlformats.org/presentationml/2006/main" xmlns:c="http://schemas.openxmlformats.org/drawingml/2006/chart" xmlns:dgm="http://schemas.openxmlformats.org/drawingml/2006/diagram" xmlns:o="urn:schemas-microsoft-com:office:office" xmlns:v="urn:schemas-microsoft-com:vml" xmlns:pvml="urn:schemas-microsoft-com:office:powerpoint" xmlns:com="http://schemas.openxmlformats.org/drawingml/2006/compatibility" xmlns:p14="http://schemas.microsoft.com/office/powerpoint/2010/main" xmlns:p15="http://schemas.microsoft.com/office/powerpoint/2012/main" xmlns:ahyp="http://schemas.microsoft.com/office/drawing/2018/hyperlinkcolor" showMasterSp="0">
   <p:cSld>
+    <p:bg>
+      <p:bgPr>
+        <a:solidFill>
+          <a:schemeClr val="dk1"/>
+        </a:solidFill>
+      </p:bgPr>
+    </p:bg>
     <p:spTree>
       <p:nvGrpSpPr>
         <p:cNvPr id="130" name="Shape 130"/>
@@ -13056,8 +13096,8 @@
         </p:nvSpPr>
         <p:spPr>
           <a:xfrm>
-            <a:off x="612325" y="183700"/>
-            <a:ext cx="3265800" cy="400200"/>
+            <a:off x="483231" y="407951"/>
+            <a:ext cx="4088700" cy="438600"/>
           </a:xfrm>
           <a:prstGeom prst="rect">
             <a:avLst/>
@@ -13068,12 +13108,12 @@
           </a:ln>
         </p:spPr>
         <p:txBody>
-          <a:bodyPr anchorCtr="0" anchor="t" bIns="91425" lIns="91425" spcFirstLastPara="1" rIns="91425" wrap="square" tIns="91425">
+          <a:bodyPr anchorCtr="0" anchor="t" bIns="34275" lIns="68575" spcFirstLastPara="1" rIns="68575" wrap="square" tIns="34275">
             <a:spAutoFit/>
           </a:bodyPr>
           <a:lstStyle/>
           <a:p>
-            <a:pPr indent="0" lvl="0" marL="0" rtl="0" algn="l">
+            <a:pPr indent="0" lvl="0" marL="0" marR="0" rtl="0" algn="l">
               <a:spcBef>
                 <a:spcPts val="0"/>
               </a:spcBef>
@@ -13083,54 +13123,396 @@
               <a:buNone/>
             </a:pPr>
             <a:r>
-              <a:rPr lang="en">
+              <a:rPr b="1" lang="en" sz="2400" u="sng">
                 <a:solidFill>
-                  <a:schemeClr val="dk2"/>
+                  <a:schemeClr val="lt1"/>
                 </a:solidFill>
               </a:rPr>
-              <a:t>Block Diagram</a:t>
+              <a:t>Advantages</a:t>
             </a:r>
-            <a:endParaRPr>
+            <a:r>
+              <a:rPr b="1" lang="en" sz="2400" u="sng">
+                <a:solidFill>
+                  <a:schemeClr val="lt1"/>
+                </a:solidFill>
+              </a:rPr>
+              <a:t>:</a:t>
+            </a:r>
+            <a:endParaRPr sz="1100"/>
+          </a:p>
+        </p:txBody>
+      </p:sp>
+      <p:sp>
+        <p:nvSpPr>
+          <p:cNvPr id="132" name="Google Shape;132;p24"/>
+          <p:cNvSpPr txBox="1"/>
+          <p:nvPr/>
+        </p:nvSpPr>
+        <p:spPr>
+          <a:xfrm>
+            <a:off x="479100" y="1290300"/>
+            <a:ext cx="8185800" cy="2839800"/>
+          </a:xfrm>
+          <a:prstGeom prst="rect">
+            <a:avLst/>
+          </a:prstGeom>
+          <a:noFill/>
+          <a:ln cap="flat" cmpd="sng" w="9525">
+            <a:solidFill>
+              <a:srgbClr val="000000"/>
+            </a:solidFill>
+            <a:prstDash val="solid"/>
+            <a:round/>
+            <a:headEnd len="sm" w="sm" type="none"/>
+            <a:tailEnd len="sm" w="sm" type="none"/>
+          </a:ln>
+        </p:spPr>
+        <p:txBody>
+          <a:bodyPr anchorCtr="0" anchor="t" bIns="34275" lIns="68575" spcFirstLastPara="1" rIns="68575" wrap="square" tIns="34275">
+            <a:spAutoFit/>
+          </a:bodyPr>
+          <a:lstStyle/>
+          <a:p>
+            <a:pPr indent="-228600" lvl="0" marL="215900" marR="0" rtl="0" algn="l">
+              <a:spcBef>
+                <a:spcPts val="0"/>
+              </a:spcBef>
+              <a:spcAft>
+                <a:spcPts val="0"/>
+              </a:spcAft>
+              <a:buClr>
+                <a:srgbClr val="FEFEFE"/>
+              </a:buClr>
+              <a:buSzPts val="2000"/>
+              <a:buFont typeface="Arial"/>
+              <a:buChar char="•"/>
+            </a:pPr>
+            <a:r>
+              <a:rPr lang="en" sz="2000">
+                <a:solidFill>
+                  <a:srgbClr val="FEFEFE"/>
+                </a:solidFill>
+              </a:rPr>
+              <a:t>Reduces man power</a:t>
+            </a:r>
+            <a:endParaRPr sz="2000">
               <a:solidFill>
-                <a:schemeClr val="dk2"/>
+                <a:srgbClr val="FEFEFE"/>
+              </a:solidFill>
+            </a:endParaRPr>
+          </a:p>
+          <a:p>
+            <a:pPr indent="-228600" lvl="0" marL="215900" marR="0" rtl="0" algn="l">
+              <a:spcBef>
+                <a:spcPts val="0"/>
+              </a:spcBef>
+              <a:spcAft>
+                <a:spcPts val="0"/>
+              </a:spcAft>
+              <a:buClr>
+                <a:srgbClr val="FEFEFE"/>
+              </a:buClr>
+              <a:buSzPts val="2000"/>
+              <a:buChar char="•"/>
+            </a:pPr>
+            <a:r>
+              <a:rPr lang="en" sz="2000">
+                <a:solidFill>
+                  <a:srgbClr val="FEFEFE"/>
+                </a:solidFill>
+              </a:rPr>
+              <a:t>Easy to use and has a user friendly interface.</a:t>
+            </a:r>
+            <a:endParaRPr sz="2000">
+              <a:solidFill>
+                <a:srgbClr val="FEFEFE"/>
+              </a:solidFill>
+            </a:endParaRPr>
+          </a:p>
+          <a:p>
+            <a:pPr indent="-228600" lvl="0" marL="215900" marR="0" rtl="0" algn="l">
+              <a:spcBef>
+                <a:spcPts val="0"/>
+              </a:spcBef>
+              <a:spcAft>
+                <a:spcPts val="0"/>
+              </a:spcAft>
+              <a:buClr>
+                <a:srgbClr val="FEFEFE"/>
+              </a:buClr>
+              <a:buSzPts val="2000"/>
+              <a:buChar char="•"/>
+            </a:pPr>
+            <a:r>
+              <a:rPr lang="en" sz="2000">
+                <a:solidFill>
+                  <a:srgbClr val="FEFEFE"/>
+                </a:solidFill>
+              </a:rPr>
+              <a:t>The weather conditions analysis that are not manually answered are responded to by the web </a:t>
+            </a:r>
+            <a:r>
+              <a:rPr lang="en" sz="2000">
+                <a:solidFill>
+                  <a:srgbClr val="FEFEFE"/>
+                </a:solidFill>
+              </a:rPr>
+              <a:t>dashboard.</a:t>
+            </a:r>
+            <a:endParaRPr sz="2000">
+              <a:solidFill>
+                <a:srgbClr val="FEFEFE"/>
+              </a:solidFill>
+            </a:endParaRPr>
+          </a:p>
+          <a:p>
+            <a:pPr indent="-228600" lvl="0" marL="215900" marR="0" rtl="0" algn="l">
+              <a:spcBef>
+                <a:spcPts val="0"/>
+              </a:spcBef>
+              <a:spcAft>
+                <a:spcPts val="0"/>
+              </a:spcAft>
+              <a:buClr>
+                <a:srgbClr val="FEFEFE"/>
+              </a:buClr>
+              <a:buSzPts val="2000"/>
+              <a:buChar char="•"/>
+            </a:pPr>
+            <a:r>
+              <a:rPr lang="en" sz="2000">
+                <a:solidFill>
+                  <a:srgbClr val="FEFEFE"/>
+                </a:solidFill>
+              </a:rPr>
+              <a:t>Results can be improved by training data to our choice of parameter.</a:t>
+            </a:r>
+            <a:endParaRPr sz="2000">
+              <a:solidFill>
+                <a:srgbClr val="FEFEFE"/>
+              </a:solidFill>
+            </a:endParaRPr>
+          </a:p>
+          <a:p>
+            <a:pPr indent="-228600" lvl="0" marL="215900" marR="0" rtl="0" algn="l">
+              <a:spcBef>
+                <a:spcPts val="0"/>
+              </a:spcBef>
+              <a:spcAft>
+                <a:spcPts val="0"/>
+              </a:spcAft>
+              <a:buClr>
+                <a:srgbClr val="FEFEFE"/>
+              </a:buClr>
+              <a:buSzPts val="2000"/>
+              <a:buChar char="•"/>
+            </a:pPr>
+            <a:r>
+              <a:rPr lang="en" sz="2000">
+                <a:solidFill>
+                  <a:srgbClr val="FEFEFE"/>
+                </a:solidFill>
+              </a:rPr>
+              <a:t>Weather analysis of different cities need not to be monitored.</a:t>
+            </a:r>
+            <a:endParaRPr sz="2000">
+              <a:solidFill>
+                <a:srgbClr val="FEFEFE"/>
+              </a:solidFill>
+            </a:endParaRPr>
+          </a:p>
+          <a:p>
+            <a:pPr indent="-228600" lvl="0" marL="215900" marR="0" rtl="0" algn="l">
+              <a:spcBef>
+                <a:spcPts val="0"/>
+              </a:spcBef>
+              <a:spcAft>
+                <a:spcPts val="0"/>
+              </a:spcAft>
+              <a:buClr>
+                <a:srgbClr val="FEFEFE"/>
+              </a:buClr>
+              <a:buSzPts val="2000"/>
+              <a:buChar char="•"/>
+            </a:pPr>
+            <a:r>
+              <a:rPr lang="en" sz="2000">
+                <a:solidFill>
+                  <a:srgbClr val="FEFEFE"/>
+                </a:solidFill>
+              </a:rPr>
+              <a:t>Can be used in areas with less connectivity as well.</a:t>
+            </a:r>
+            <a:endParaRPr sz="2000">
+              <a:solidFill>
+                <a:srgbClr val="FEFEFE"/>
+              </a:solidFill>
+            </a:endParaRPr>
+          </a:p>
+          <a:p>
+            <a:pPr indent="-228600" lvl="0" marL="215900" marR="0" rtl="0" algn="l">
+              <a:spcBef>
+                <a:spcPts val="0"/>
+              </a:spcBef>
+              <a:spcAft>
+                <a:spcPts val="0"/>
+              </a:spcAft>
+              <a:buClr>
+                <a:srgbClr val="FEFEFE"/>
+              </a:buClr>
+              <a:buSzPts val="2000"/>
+              <a:buChar char="•"/>
+            </a:pPr>
+            <a:r>
+              <a:rPr lang="en" sz="2000">
+                <a:solidFill>
+                  <a:srgbClr val="FEFEFE"/>
+                </a:solidFill>
+              </a:rPr>
+              <a:t>Cost efficient</a:t>
+            </a:r>
+            <a:endParaRPr sz="2000">
+              <a:solidFill>
+                <a:srgbClr val="FEFEFE"/>
+              </a:solidFill>
+            </a:endParaRPr>
+          </a:p>
+          <a:p>
+            <a:pPr indent="-228600" lvl="0" marL="215900" marR="0" rtl="0" algn="l">
+              <a:spcBef>
+                <a:spcPts val="0"/>
+              </a:spcBef>
+              <a:spcAft>
+                <a:spcPts val="0"/>
+              </a:spcAft>
+              <a:buClr>
+                <a:srgbClr val="FEFEFE"/>
+              </a:buClr>
+              <a:buSzPts val="2000"/>
+              <a:buChar char="•"/>
+            </a:pPr>
+            <a:r>
+              <a:rPr lang="en" sz="2000">
+                <a:solidFill>
+                  <a:srgbClr val="FEFEFE"/>
+                </a:solidFill>
+              </a:rPr>
+              <a:t>Accurate results.</a:t>
+            </a:r>
+            <a:endParaRPr sz="2000">
+              <a:solidFill>
+                <a:srgbClr val="FEFEFE"/>
               </a:solidFill>
             </a:endParaRPr>
           </a:p>
         </p:txBody>
       </p:sp>
-      <p:pic>
-        <p:nvPicPr>
-          <p:cNvPr id="132" name="Google Shape;132;p24"/>
-          <p:cNvPicPr preferRelativeResize="0"/>
-          <p:nvPr/>
-        </p:nvPicPr>
-        <p:blipFill>
-          <a:blip r:embed="rId3">
-            <a:alphaModFix/>
-          </a:blip>
-          <a:stretch>
-            <a:fillRect/>
-          </a:stretch>
-        </p:blipFill>
-        <p:spPr>
-          <a:xfrm>
-            <a:off x="719300" y="685250"/>
-            <a:ext cx="7751000" cy="3743875"/>
-          </a:xfrm>
-          <a:prstGeom prst="rect">
-            <a:avLst/>
-          </a:prstGeom>
-          <a:noFill/>
-          <a:ln>
-            <a:noFill/>
-          </a:ln>
-        </p:spPr>
-      </p:pic>
     </p:spTree>
   </p:cSld>
   <p:clrMapOvr>
     <a:masterClrMapping/>
   </p:clrMapOvr>
+  <p:timing>
+    <p:tnLst>
+      <p:par>
+        <p:cTn dur="indefinite" nodeType="tmRoot" restart="never">
+          <p:childTnLst>
+            <p:seq concurrent="1" nextAc="seek">
+              <p:cTn dur="indefinite" id="2" nodeType="mainSeq">
+                <p:childTnLst>
+                  <p:par>
+                    <p:cTn fill="hold">
+                      <p:stCondLst>
+                        <p:cond delay="indefinite"/>
+                        <p:cond evt="onBegin" delay="0">
+                          <p:tn val="2"/>
+                        </p:cond>
+                      </p:stCondLst>
+                      <p:childTnLst>
+                        <p:par>
+                          <p:cTn fill="hold">
+                            <p:stCondLst>
+                              <p:cond delay="0"/>
+                            </p:stCondLst>
+                            <p:childTnLst>
+                              <p:par>
+                                <p:cTn fill="hold" nodeType="withEffect" presetClass="entr" presetID="2" presetSubtype="2">
+                                  <p:stCondLst>
+                                    <p:cond delay="0"/>
+                                  </p:stCondLst>
+                                  <p:childTnLst>
+                                    <p:set>
+                                      <p:cBhvr>
+                                        <p:cTn dur="1" fill="hold">
+                                          <p:stCondLst>
+                                            <p:cond delay="0"/>
+                                          </p:stCondLst>
+                                        </p:cTn>
+                                        <p:tgtEl>
+                                          <p:spTgt spid="131"/>
+                                        </p:tgtEl>
+                                        <p:attrNameLst>
+                                          <p:attrName>style.visibility</p:attrName>
+                                        </p:attrNameLst>
+                                      </p:cBhvr>
+                                      <p:to>
+                                        <p:strVal val="visible"/>
+                                      </p:to>
+                                    </p:set>
+                                    <p:anim calcmode="lin" valueType="num">
+                                      <p:cBhvr additive="base">
+                                        <p:cTn dur="1500"/>
+                                        <p:tgtEl>
+                                          <p:spTgt spid="131"/>
+                                        </p:tgtEl>
+                                        <p:attrNameLst>
+                                          <p:attrName>ppt_x</p:attrName>
+                                        </p:attrNameLst>
+                                      </p:cBhvr>
+                                      <p:tavLst>
+                                        <p:tav fmla="" tm="0">
+                                          <p:val>
+                                            <p:strVal val="#ppt_x+1"/>
+                                          </p:val>
+                                        </p:tav>
+                                        <p:tav fmla="" tm="100000">
+                                          <p:val>
+                                            <p:strVal val="#ppt_x"/>
+                                          </p:val>
+                                        </p:tav>
+                                      </p:tavLst>
+                                    </p:anim>
+                                  </p:childTnLst>
+                                </p:cTn>
+                              </p:par>
+                            </p:childTnLst>
+                          </p:cTn>
+                        </p:par>
+                      </p:childTnLst>
+                    </p:cTn>
+                  </p:par>
+                </p:childTnLst>
+              </p:cTn>
+              <p:prevCondLst>
+                <p:cond evt="onPrev">
+                  <p:tgtEl>
+                    <p:sldTgt/>
+                  </p:tgtEl>
+                </p:cond>
+              </p:prevCondLst>
+              <p:nextCondLst>
+                <p:cond evt="onNext">
+                  <p:tgtEl>
+                    <p:sldTgt/>
+                  </p:tgtEl>
+                </p:cond>
+              </p:nextCondLst>
+            </p:seq>
+          </p:childTnLst>
+        </p:cTn>
+      </p:par>
+    </p:tnLst>
+  </p:timing>
 </p:sld>
 </file>
 
@@ -13397,15 +13779,8 @@
 </file>
 
 <file path=ppt/slides/slide7.xml><?xml version="1.0" encoding="utf-8"?>
-<p:sld xmlns:a="http://schemas.openxmlformats.org/drawingml/2006/main" xmlns:r="http://schemas.openxmlformats.org/officeDocument/2006/relationships" xmlns:mc="http://schemas.openxmlformats.org/markup-compatibility/2006" xmlns:mv="urn:schemas-microsoft-com:mac:vml" xmlns:p="http://schemas.openxmlformats.org/presentationml/2006/main" xmlns:c="http://schemas.openxmlformats.org/drawingml/2006/chart" xmlns:dgm="http://schemas.openxmlformats.org/drawingml/2006/diagram" xmlns:o="urn:schemas-microsoft-com:office:office" xmlns:v="urn:schemas-microsoft-com:vml" xmlns:pvml="urn:schemas-microsoft-com:office:powerpoint" xmlns:com="http://schemas.openxmlformats.org/drawingml/2006/compatibility" xmlns:p14="http://schemas.microsoft.com/office/powerpoint/2010/main" xmlns:p15="http://schemas.microsoft.com/office/powerpoint/2012/main" xmlns:ahyp="http://schemas.microsoft.com/office/drawing/2018/hyperlinkcolor" showMasterSp="0">
+<p:sld xmlns:a="http://schemas.openxmlformats.org/drawingml/2006/main" xmlns:r="http://schemas.openxmlformats.org/officeDocument/2006/relationships" xmlns:mc="http://schemas.openxmlformats.org/markup-compatibility/2006" xmlns:mv="urn:schemas-microsoft-com:mac:vml" xmlns:p="http://schemas.openxmlformats.org/presentationml/2006/main" xmlns:c="http://schemas.openxmlformats.org/drawingml/2006/chart" xmlns:dgm="http://schemas.openxmlformats.org/drawingml/2006/diagram" xmlns:o="urn:schemas-microsoft-com:office:office" xmlns:v="urn:schemas-microsoft-com:vml" xmlns:pvml="urn:schemas-microsoft-com:office:powerpoint" xmlns:com="http://schemas.openxmlformats.org/drawingml/2006/compatibility" xmlns:p14="http://schemas.microsoft.com/office/powerpoint/2010/main" xmlns:p15="http://schemas.microsoft.com/office/powerpoint/2012/main" xmlns:ahyp="http://schemas.microsoft.com/office/drawing/2018/hyperlinkcolor">
   <p:cSld>
-    <p:bg>
-      <p:bgPr>
-        <a:solidFill>
-          <a:schemeClr val="dk1"/>
-        </a:solidFill>
-      </p:bgPr>
-    </p:bg>
     <p:spTree>
       <p:nvGrpSpPr>
         <p:cNvPr id="143" name="Shape 143"/>
@@ -13423,6 +13798,116 @@
       <p:sp>
         <p:nvSpPr>
           <p:cNvPr id="144" name="Google Shape;144;p26"/>
+          <p:cNvSpPr txBox="1"/>
+          <p:nvPr/>
+        </p:nvSpPr>
+        <p:spPr>
+          <a:xfrm>
+            <a:off x="612325" y="183700"/>
+            <a:ext cx="3265800" cy="400200"/>
+          </a:xfrm>
+          <a:prstGeom prst="rect">
+            <a:avLst/>
+          </a:prstGeom>
+          <a:noFill/>
+          <a:ln>
+            <a:noFill/>
+          </a:ln>
+        </p:spPr>
+        <p:txBody>
+          <a:bodyPr anchorCtr="0" anchor="t" bIns="91425" lIns="91425" spcFirstLastPara="1" rIns="91425" wrap="square" tIns="91425">
+            <a:spAutoFit/>
+          </a:bodyPr>
+          <a:lstStyle/>
+          <a:p>
+            <a:pPr indent="0" lvl="0" marL="0" rtl="0" algn="l">
+              <a:spcBef>
+                <a:spcPts val="0"/>
+              </a:spcBef>
+              <a:spcAft>
+                <a:spcPts val="0"/>
+              </a:spcAft>
+              <a:buNone/>
+            </a:pPr>
+            <a:r>
+              <a:rPr lang="en">
+                <a:solidFill>
+                  <a:schemeClr val="dk2"/>
+                </a:solidFill>
+              </a:rPr>
+              <a:t>Block Diagram</a:t>
+            </a:r>
+            <a:endParaRPr>
+              <a:solidFill>
+                <a:schemeClr val="dk2"/>
+              </a:solidFill>
+            </a:endParaRPr>
+          </a:p>
+        </p:txBody>
+      </p:sp>
+      <p:pic>
+        <p:nvPicPr>
+          <p:cNvPr id="145" name="Google Shape;145;p26"/>
+          <p:cNvPicPr preferRelativeResize="0"/>
+          <p:nvPr/>
+        </p:nvPicPr>
+        <p:blipFill>
+          <a:blip r:embed="rId3">
+            <a:alphaModFix/>
+          </a:blip>
+          <a:stretch>
+            <a:fillRect/>
+          </a:stretch>
+        </p:blipFill>
+        <p:spPr>
+          <a:xfrm>
+            <a:off x="719300" y="685250"/>
+            <a:ext cx="7751000" cy="3743875"/>
+          </a:xfrm>
+          <a:prstGeom prst="rect">
+            <a:avLst/>
+          </a:prstGeom>
+          <a:noFill/>
+          <a:ln>
+            <a:noFill/>
+          </a:ln>
+        </p:spPr>
+      </p:pic>
+    </p:spTree>
+  </p:cSld>
+  <p:clrMapOvr>
+    <a:masterClrMapping/>
+  </p:clrMapOvr>
+</p:sld>
+</file>
+
+<file path=ppt/slides/slide8.xml><?xml version="1.0" encoding="utf-8"?>
+<p:sld xmlns:a="http://schemas.openxmlformats.org/drawingml/2006/main" xmlns:r="http://schemas.openxmlformats.org/officeDocument/2006/relationships" xmlns:mc="http://schemas.openxmlformats.org/markup-compatibility/2006" xmlns:mv="urn:schemas-microsoft-com:mac:vml" xmlns:p="http://schemas.openxmlformats.org/presentationml/2006/main" xmlns:c="http://schemas.openxmlformats.org/drawingml/2006/chart" xmlns:dgm="http://schemas.openxmlformats.org/drawingml/2006/diagram" xmlns:o="urn:schemas-microsoft-com:office:office" xmlns:v="urn:schemas-microsoft-com:vml" xmlns:pvml="urn:schemas-microsoft-com:office:powerpoint" xmlns:com="http://schemas.openxmlformats.org/drawingml/2006/compatibility" xmlns:p14="http://schemas.microsoft.com/office/powerpoint/2010/main" xmlns:p15="http://schemas.microsoft.com/office/powerpoint/2012/main" xmlns:ahyp="http://schemas.microsoft.com/office/drawing/2018/hyperlinkcolor" showMasterSp="0">
+  <p:cSld>
+    <p:bg>
+      <p:bgPr>
+        <a:solidFill>
+          <a:schemeClr val="dk1"/>
+        </a:solidFill>
+      </p:bgPr>
+    </p:bg>
+    <p:spTree>
+      <p:nvGrpSpPr>
+        <p:cNvPr id="149" name="Shape 149"/>
+        <p:cNvGrpSpPr/>
+        <p:nvPr/>
+      </p:nvGrpSpPr>
+      <p:grpSpPr>
+        <a:xfrm>
+          <a:off x="0" y="0"/>
+          <a:ext cx="0" cy="0"/>
+          <a:chOff x="0" y="0"/>
+          <a:chExt cx="0" cy="0"/>
+        </a:xfrm>
+      </p:grpSpPr>
+      <p:sp>
+        <p:nvSpPr>
+          <p:cNvPr id="150" name="Google Shape;150;p27"/>
           <p:cNvSpPr txBox="1"/>
           <p:nvPr/>
         </p:nvSpPr>
@@ -13468,7 +13953,7 @@
       </p:sp>
       <p:sp>
         <p:nvSpPr>
-          <p:cNvPr id="145" name="Google Shape;145;p26"/>
+          <p:cNvPr id="151" name="Google Shape;151;p27"/>
           <p:cNvSpPr txBox="1"/>
           <p:nvPr/>
         </p:nvSpPr>
@@ -13523,7 +14008,7 @@
       </p:sp>
       <p:pic>
         <p:nvPicPr>
-          <p:cNvPr id="146" name="Google Shape;146;p26"/>
+          <p:cNvPr id="152" name="Google Shape;152;p27"/>
           <p:cNvPicPr preferRelativeResize="0"/>
           <p:nvPr/>
         </p:nvPicPr>
@@ -13591,7 +14076,7 @@
                                           </p:stCondLst>
                                         </p:cTn>
                                         <p:tgtEl>
-                                          <p:spTgt spid="144"/>
+                                          <p:spTgt spid="150"/>
                                         </p:tgtEl>
                                         <p:attrNameLst>
                                           <p:attrName>style.visibility</p:attrName>
@@ -13605,7 +14090,7 @@
                                       <p:cBhvr additive="base">
                                         <p:cTn dur="1500"/>
                                         <p:tgtEl>
-                                          <p:spTgt spid="144"/>
+                                          <p:spTgt spid="150"/>
                                         </p:tgtEl>
                                         <p:attrNameLst>
                                           <p:attrName>ppt_x</p:attrName>
@@ -13658,12 +14143,12 @@
 </p:sld>
 </file>
 
-<file path=ppt/slides/slide8.xml><?xml version="1.0" encoding="utf-8"?>
+<file path=ppt/slides/slide9.xml><?xml version="1.0" encoding="utf-8"?>
 <p:sld xmlns:a="http://schemas.openxmlformats.org/drawingml/2006/main" xmlns:r="http://schemas.openxmlformats.org/officeDocument/2006/relationships" xmlns:mc="http://schemas.openxmlformats.org/markup-compatibility/2006" xmlns:mv="urn:schemas-microsoft-com:mac:vml" xmlns:p="http://schemas.openxmlformats.org/presentationml/2006/main" xmlns:c="http://schemas.openxmlformats.org/drawingml/2006/chart" xmlns:dgm="http://schemas.openxmlformats.org/drawingml/2006/diagram" xmlns:o="urn:schemas-microsoft-com:office:office" xmlns:v="urn:schemas-microsoft-com:vml" xmlns:pvml="urn:schemas-microsoft-com:office:powerpoint" xmlns:com="http://schemas.openxmlformats.org/drawingml/2006/compatibility" xmlns:p14="http://schemas.microsoft.com/office/powerpoint/2010/main" xmlns:p15="http://schemas.microsoft.com/office/powerpoint/2012/main" xmlns:ahyp="http://schemas.microsoft.com/office/drawing/2018/hyperlinkcolor">
   <p:cSld>
     <p:spTree>
       <p:nvGrpSpPr>
-        <p:cNvPr id="150" name="Shape 150"/>
+        <p:cNvPr id="156" name="Shape 156"/>
         <p:cNvGrpSpPr/>
         <p:nvPr/>
       </p:nvGrpSpPr>
@@ -13677,7 +14162,7 @@
       </p:grpSpPr>
       <p:sp>
         <p:nvSpPr>
-          <p:cNvPr id="151" name="Google Shape;151;p27"/>
+          <p:cNvPr id="157" name="Google Shape;157;p28"/>
           <p:cNvSpPr/>
           <p:nvPr/>
         </p:nvSpPr>
@@ -13745,7 +14230,7 @@
       </p:sp>
       <p:sp>
         <p:nvSpPr>
-          <p:cNvPr id="152" name="Google Shape;152;p27"/>
+          <p:cNvPr id="158" name="Google Shape;158;p28"/>
           <p:cNvSpPr/>
           <p:nvPr/>
         </p:nvSpPr>
@@ -13811,7 +14296,7 @@
       </p:sp>
       <p:sp>
         <p:nvSpPr>
-          <p:cNvPr id="153" name="Google Shape;153;p27"/>
+          <p:cNvPr id="159" name="Google Shape;159;p28"/>
           <p:cNvSpPr/>
           <p:nvPr/>
         </p:nvSpPr>
@@ -13882,7 +14367,7 @@
       </p:sp>
       <p:sp>
         <p:nvSpPr>
-          <p:cNvPr id="154" name="Google Shape;154;p27"/>
+          <p:cNvPr id="160" name="Google Shape;160;p28"/>
           <p:cNvSpPr/>
           <p:nvPr/>
         </p:nvSpPr>
@@ -13948,7 +14433,7 @@
       </p:sp>
       <p:sp>
         <p:nvSpPr>
-          <p:cNvPr id="155" name="Google Shape;155;p27"/>
+          <p:cNvPr id="161" name="Google Shape;161;p28"/>
           <p:cNvSpPr/>
           <p:nvPr/>
         </p:nvSpPr>
@@ -14020,7 +14505,7 @@
       </p:sp>
       <p:sp>
         <p:nvSpPr>
-          <p:cNvPr id="156" name="Google Shape;156;p27"/>
+          <p:cNvPr id="162" name="Google Shape;162;p28"/>
           <p:cNvSpPr/>
           <p:nvPr/>
         </p:nvSpPr>
@@ -14096,7 +14581,7 @@
       </p:sp>
       <p:sp>
         <p:nvSpPr>
-          <p:cNvPr id="157" name="Google Shape;157;p27"/>
+          <p:cNvPr id="163" name="Google Shape;163;p28"/>
           <p:cNvSpPr/>
           <p:nvPr/>
         </p:nvSpPr>
@@ -14160,7 +14645,7 @@
       </p:sp>
       <p:sp>
         <p:nvSpPr>
-          <p:cNvPr id="158" name="Google Shape;158;p27"/>
+          <p:cNvPr id="164" name="Google Shape;164;p28"/>
           <p:cNvSpPr/>
           <p:nvPr/>
         </p:nvSpPr>
@@ -14232,7 +14717,7 @@
       </p:sp>
       <p:sp>
         <p:nvSpPr>
-          <p:cNvPr id="159" name="Google Shape;159;p27"/>
+          <p:cNvPr id="165" name="Google Shape;165;p28"/>
           <p:cNvSpPr/>
           <p:nvPr/>
         </p:nvSpPr>
@@ -14304,7 +14789,7 @@
       </p:sp>
       <p:sp>
         <p:nvSpPr>
-          <p:cNvPr id="160" name="Google Shape;160;p27"/>
+          <p:cNvPr id="166" name="Google Shape;166;p28"/>
           <p:cNvSpPr/>
           <p:nvPr/>
         </p:nvSpPr>
@@ -14376,7 +14861,7 @@
       </p:sp>
       <p:sp>
         <p:nvSpPr>
-          <p:cNvPr id="161" name="Google Shape;161;p27"/>
+          <p:cNvPr id="167" name="Google Shape;167;p28"/>
           <p:cNvSpPr/>
           <p:nvPr/>
         </p:nvSpPr>
@@ -14477,7 +14962,7 @@
                                           </p:stCondLst>
                                         </p:cTn>
                                         <p:tgtEl>
-                                          <p:spTgt spid="160"/>
+                                          <p:spTgt spid="166"/>
                                         </p:tgtEl>
                                         <p:attrNameLst>
                                           <p:attrName>style.visibility</p:attrName>
@@ -14491,7 +14976,7 @@
                                       <p:cBhvr>
                                         <p:cTn dur="1250"/>
                                         <p:tgtEl>
-                                          <p:spTgt spid="160"/>
+                                          <p:spTgt spid="166"/>
                                         </p:tgtEl>
                                       </p:cBhvr>
                                     </p:animEffect>
@@ -14512,7 +14997,7 @@
                                           </p:stCondLst>
                                         </p:cTn>
                                         <p:tgtEl>
-                                          <p:spTgt spid="159"/>
+                                          <p:spTgt spid="165"/>
                                         </p:tgtEl>
                                         <p:attrNameLst>
                                           <p:attrName>style.visibility</p:attrName>
@@ -14526,7 +15011,7 @@
                                       <p:cBhvr>
                                         <p:cTn dur="1250"/>
                                         <p:tgtEl>
-                                          <p:spTgt spid="159"/>
+                                          <p:spTgt spid="165"/>
                                         </p:tgtEl>
                                       </p:cBhvr>
                                     </p:animEffect>
@@ -14547,7 +15032,7 @@
                                           </p:stCondLst>
                                         </p:cTn>
                                         <p:tgtEl>
-                                          <p:spTgt spid="158"/>
+                                          <p:spTgt spid="164"/>
                                         </p:tgtEl>
                                         <p:attrNameLst>
                                           <p:attrName>style.visibility</p:attrName>
@@ -14561,7 +15046,7 @@
                                       <p:cBhvr>
                                         <p:cTn dur="1250"/>
                                         <p:tgtEl>
-                                          <p:spTgt spid="158"/>
+                                          <p:spTgt spid="164"/>
                                         </p:tgtEl>
                                       </p:cBhvr>
                                     </p:animEffect>
@@ -14578,7 +15063,7 @@
                                       <p:cBhvr>
                                         <p:cTn dur="5000" fill="hold"/>
                                         <p:tgtEl>
-                                          <p:spTgt spid="160"/>
+                                          <p:spTgt spid="166"/>
                                         </p:tgtEl>
                                         <p:attrNameLst>
                                           <p:attrName>r</p:attrName>
@@ -14598,7 +15083,7 @@
                                       <p:cBhvr>
                                         <p:cTn dur="5000" fill="hold"/>
                                         <p:tgtEl>
-                                          <p:spTgt spid="159"/>
+                                          <p:spTgt spid="165"/>
                                         </p:tgtEl>
                                         <p:attrNameLst>
                                           <p:attrName>r</p:attrName>
@@ -14618,7 +15103,7 @@
                                       <p:cBhvr>
                                         <p:cTn dur="5000" fill="hold"/>
                                         <p:tgtEl>
-                                          <p:spTgt spid="158"/>
+                                          <p:spTgt spid="164"/>
                                         </p:tgtEl>
                                         <p:attrNameLst>
                                           <p:attrName>r</p:attrName>
@@ -14642,7 +15127,7 @@
                                           </p:stCondLst>
                                         </p:cTn>
                                         <p:tgtEl>
-                                          <p:spTgt spid="161"/>
+                                          <p:spTgt spid="167"/>
                                         </p:tgtEl>
                                         <p:attrNameLst>
                                           <p:attrName>style.visibility</p:attrName>
@@ -14656,7 +15141,7 @@
                                       <p:cBhvr additive="base">
                                         <p:cTn dur="1000"/>
                                         <p:tgtEl>
-                                          <p:spTgt spid="161"/>
+                                          <p:spTgt spid="167"/>
                                         </p:tgtEl>
                                         <p:attrNameLst>
                                           <p:attrName>ppt_y</p:attrName>
@@ -14710,6 +15195,564 @@
 </file>
 
 <file path=ppt/theme/theme1.xml><?xml version="1.0" encoding="utf-8"?>
+<a:theme xmlns:a="http://schemas.openxmlformats.org/drawingml/2006/main" xmlns:r="http://schemas.openxmlformats.org/officeDocument/2006/relationships" name="Simple Light">
+  <a:themeElements>
+    <a:clrScheme name="Simple Light">
+      <a:dk1>
+        <a:srgbClr val="000000"/>
+      </a:dk1>
+      <a:lt1>
+        <a:srgbClr val="FFFFFF"/>
+      </a:lt1>
+      <a:dk2>
+        <a:srgbClr val="595959"/>
+      </a:dk2>
+      <a:lt2>
+        <a:srgbClr val="EEEEEE"/>
+      </a:lt2>
+      <a:accent1>
+        <a:srgbClr val="4285F4"/>
+      </a:accent1>
+      <a:accent2>
+        <a:srgbClr val="212121"/>
+      </a:accent2>
+      <a:accent3>
+        <a:srgbClr val="78909C"/>
+      </a:accent3>
+      <a:accent4>
+        <a:srgbClr val="FFAB40"/>
+      </a:accent4>
+      <a:accent5>
+        <a:srgbClr val="0097A7"/>
+      </a:accent5>
+      <a:accent6>
+        <a:srgbClr val="EEFF41"/>
+      </a:accent6>
+      <a:hlink>
+        <a:srgbClr val="0097A7"/>
+      </a:hlink>
+      <a:folHlink>
+        <a:srgbClr val="0097A7"/>
+      </a:folHlink>
+    </a:clrScheme>
+    <a:fontScheme name="Office">
+      <a:majorFont>
+        <a:latin typeface="Arial"/>
+        <a:ea typeface=""/>
+        <a:cs typeface=""/>
+        <a:font script="Jpan" typeface="ＭＳ Ｐゴシック"/>
+        <a:font script="Hang" typeface="맑은 고딕"/>
+        <a:font script="Hans" typeface="宋体"/>
+        <a:font script="Hant" typeface="新細明體"/>
+        <a:font script="Arab" typeface="Times New Roman"/>
+        <a:font script="Hebr" typeface="Times New Roman"/>
+        <a:font script="Thai" typeface="Angsana New"/>
+        <a:font script="Ethi" typeface="Nyala"/>
+        <a:font script="Beng" typeface="Vrinda"/>
+        <a:font script="Gujr" typeface="Shruti"/>
+        <a:font script="Khmr" typeface="MoolBoran"/>
+        <a:font script="Knda" typeface="Tunga"/>
+        <a:font script="Guru" typeface="Raavi"/>
+        <a:font script="Cans" typeface="Euphemia"/>
+        <a:font script="Cher" typeface="Plantagenet Cherokee"/>
+        <a:font script="Yiii" typeface="Microsoft Yi Baiti"/>
+        <a:font script="Tibt" typeface="Microsoft Himalaya"/>
+        <a:font script="Thaa" typeface="MV Boli"/>
+        <a:font script="Deva" typeface="Mangal"/>
+        <a:font script="Telu" typeface="Gautami"/>
+        <a:font script="Taml" typeface="Latha"/>
+        <a:font script="Syrc" typeface="Estrangelo Edessa"/>
+        <a:font script="Orya" typeface="Kalinga"/>
+        <a:font script="Mlym" typeface="Kartika"/>
+        <a:font script="Laoo" typeface="DokChampa"/>
+        <a:font script="Sinh" typeface="Iskoola Pota"/>
+        <a:font script="Mong" typeface="Mongolian Baiti"/>
+        <a:font script="Viet" typeface="Times New Roman"/>
+        <a:font script="Uigh" typeface="Microsoft Uighur"/>
+        <a:font script="Geor" typeface="Sylfaen"/>
+      </a:majorFont>
+      <a:minorFont>
+        <a:latin typeface="Arial"/>
+        <a:ea typeface=""/>
+        <a:cs typeface=""/>
+        <a:font script="Jpan" typeface="ＭＳ Ｐゴシック"/>
+        <a:font script="Hang" typeface="맑은 고딕"/>
+        <a:font script="Hans" typeface="宋体"/>
+        <a:font script="Hant" typeface="新細明體"/>
+        <a:font script="Arab" typeface="Arial"/>
+        <a:font script="Hebr" typeface="Arial"/>
+        <a:font script="Thai" typeface="Cordia New"/>
+        <a:font script="Ethi" typeface="Nyala"/>
+        <a:font script="Beng" typeface="Vrinda"/>
+        <a:font script="Gujr" typeface="Shruti"/>
+        <a:font script="Khmr" typeface="DaunPenh"/>
+        <a:font script="Knda" typeface="Tunga"/>
+        <a:font script="Guru" typeface="Raavi"/>
+        <a:font script="Cans" typeface="Euphemia"/>
+        <a:font script="Cher" typeface="Plantagenet Cherokee"/>
+        <a:font script="Yiii" typeface="Microsoft Yi Baiti"/>
+        <a:font script="Tibt" typeface="Microsoft Himalaya"/>
+        <a:font script="Thaa" typeface="MV Boli"/>
+        <a:font script="Deva" typeface="Mangal"/>
+        <a:font script="Telu" typeface="Gautami"/>
+        <a:font script="Taml" typeface="Latha"/>
+        <a:font script="Syrc" typeface="Estrangelo Edessa"/>
+        <a:font script="Orya" typeface="Kalinga"/>
+        <a:font script="Mlym" typeface="Kartika"/>
+        <a:font script="Laoo" typeface="DokChampa"/>
+        <a:font script="Sinh" typeface="Iskoola Pota"/>
+        <a:font script="Mong" typeface="Mongolian Baiti"/>
+        <a:font script="Viet" typeface="Arial"/>
+        <a:font script="Uigh" typeface="Microsoft Uighur"/>
+        <a:font script="Geor" typeface="Sylfaen"/>
+      </a:minorFont>
+    </a:fontScheme>
+    <a:fmtScheme name="Office">
+      <a:fillStyleLst>
+        <a:solidFill>
+          <a:schemeClr val="phClr"/>
+        </a:solidFill>
+        <a:gradFill rotWithShape="1">
+          <a:gsLst>
+            <a:gs pos="0">
+              <a:schemeClr val="phClr">
+                <a:tint val="50000"/>
+                <a:satMod val="300000"/>
+              </a:schemeClr>
+            </a:gs>
+            <a:gs pos="35000">
+              <a:schemeClr val="phClr">
+                <a:tint val="37000"/>
+                <a:satMod val="300000"/>
+              </a:schemeClr>
+            </a:gs>
+            <a:gs pos="100000">
+              <a:schemeClr val="phClr">
+                <a:tint val="15000"/>
+                <a:satMod val="350000"/>
+              </a:schemeClr>
+            </a:gs>
+          </a:gsLst>
+          <a:lin ang="16200000" scaled="1"/>
+        </a:gradFill>
+        <a:gradFill rotWithShape="1">
+          <a:gsLst>
+            <a:gs pos="0">
+              <a:schemeClr val="phClr">
+                <a:tint val="100000"/>
+                <a:shade val="100000"/>
+                <a:satMod val="130000"/>
+              </a:schemeClr>
+            </a:gs>
+            <a:gs pos="100000">
+              <a:schemeClr val="phClr">
+                <a:tint val="50000"/>
+                <a:shade val="100000"/>
+                <a:satMod val="350000"/>
+              </a:schemeClr>
+            </a:gs>
+          </a:gsLst>
+          <a:lin ang="16200000" scaled="0"/>
+        </a:gradFill>
+      </a:fillStyleLst>
+      <a:lnStyleLst>
+        <a:ln w="9525" cap="flat" cmpd="sng" algn="ctr">
+          <a:solidFill>
+            <a:schemeClr val="phClr">
+              <a:shade val="95000"/>
+              <a:satMod val="105000"/>
+            </a:schemeClr>
+          </a:solidFill>
+          <a:prstDash val="solid"/>
+        </a:ln>
+        <a:ln w="25400" cap="flat" cmpd="sng" algn="ctr">
+          <a:solidFill>
+            <a:schemeClr val="phClr"/>
+          </a:solidFill>
+          <a:prstDash val="solid"/>
+        </a:ln>
+        <a:ln w="38100" cap="flat" cmpd="sng" algn="ctr">
+          <a:solidFill>
+            <a:schemeClr val="phClr"/>
+          </a:solidFill>
+          <a:prstDash val="solid"/>
+        </a:ln>
+      </a:lnStyleLst>
+      <a:effectStyleLst>
+        <a:effectStyle>
+          <a:effectLst>
+            <a:outerShdw blurRad="40000" dist="20000" dir="5400000" rotWithShape="0">
+              <a:srgbClr val="000000">
+                <a:alpha val="38000"/>
+              </a:srgbClr>
+            </a:outerShdw>
+          </a:effectLst>
+        </a:effectStyle>
+        <a:effectStyle>
+          <a:effectLst>
+            <a:outerShdw blurRad="40000" dist="23000" dir="5400000" rotWithShape="0">
+              <a:srgbClr val="000000">
+                <a:alpha val="35000"/>
+              </a:srgbClr>
+            </a:outerShdw>
+          </a:effectLst>
+        </a:effectStyle>
+        <a:effectStyle>
+          <a:effectLst>
+            <a:outerShdw blurRad="40000" dist="23000" dir="5400000" rotWithShape="0">
+              <a:srgbClr val="000000">
+                <a:alpha val="35000"/>
+              </a:srgbClr>
+            </a:outerShdw>
+          </a:effectLst>
+          <a:scene3d>
+            <a:camera prst="orthographicFront">
+              <a:rot lat="0" lon="0" rev="0"/>
+            </a:camera>
+            <a:lightRig rig="threePt" dir="t">
+              <a:rot lat="0" lon="0" rev="1200000"/>
+            </a:lightRig>
+          </a:scene3d>
+          <a:sp3d>
+            <a:bevelT w="63500" h="25400"/>
+          </a:sp3d>
+        </a:effectStyle>
+      </a:effectStyleLst>
+      <a:bgFillStyleLst>
+        <a:solidFill>
+          <a:schemeClr val="phClr"/>
+        </a:solidFill>
+        <a:gradFill rotWithShape="1">
+          <a:gsLst>
+            <a:gs pos="0">
+              <a:schemeClr val="phClr">
+                <a:tint val="40000"/>
+                <a:satMod val="350000"/>
+              </a:schemeClr>
+            </a:gs>
+            <a:gs pos="40000">
+              <a:schemeClr val="phClr">
+                <a:tint val="45000"/>
+                <a:shade val="99000"/>
+                <a:satMod val="350000"/>
+              </a:schemeClr>
+            </a:gs>
+            <a:gs pos="100000">
+              <a:schemeClr val="phClr">
+                <a:shade val="20000"/>
+                <a:satMod val="255000"/>
+              </a:schemeClr>
+            </a:gs>
+          </a:gsLst>
+          <a:path path="circle">
+            <a:fillToRect l="50000" t="-80000" r="50000" b="180000"/>
+          </a:path>
+        </a:gradFill>
+        <a:gradFill rotWithShape="1">
+          <a:gsLst>
+            <a:gs pos="0">
+              <a:schemeClr val="phClr">
+                <a:tint val="80000"/>
+                <a:satMod val="300000"/>
+              </a:schemeClr>
+            </a:gs>
+            <a:gs pos="100000">
+              <a:schemeClr val="phClr">
+                <a:shade val="30000"/>
+                <a:satMod val="200000"/>
+              </a:schemeClr>
+            </a:gs>
+          </a:gsLst>
+          <a:path path="circle">
+            <a:fillToRect l="50000" t="50000" r="50000" b="50000"/>
+          </a:path>
+        </a:gradFill>
+      </a:bgFillStyleLst>
+    </a:fmtScheme>
+  </a:themeElements>
+</a:theme>
+</file>
+
+<file path=ppt/theme/theme2.xml><?xml version="1.0" encoding="utf-8"?>
+<a:theme xmlns:a="http://schemas.openxmlformats.org/drawingml/2006/main" xmlns:r="http://schemas.openxmlformats.org/officeDocument/2006/relationships">
+  <a:themeElements>
+    <a:clrScheme name="Default">
+      <a:dk1>
+        <a:srgbClr val="000000"/>
+      </a:dk1>
+      <a:lt1>
+        <a:srgbClr val="FFFFFF"/>
+      </a:lt1>
+      <a:dk2>
+        <a:srgbClr val="158158"/>
+      </a:dk2>
+      <a:lt2>
+        <a:srgbClr val="F3F3F3"/>
+      </a:lt2>
+      <a:accent1>
+        <a:srgbClr val="058DC7"/>
+      </a:accent1>
+      <a:accent2>
+        <a:srgbClr val="50B432"/>
+      </a:accent2>
+      <a:accent3>
+        <a:srgbClr val="ED561B"/>
+      </a:accent3>
+      <a:accent4>
+        <a:srgbClr val="EDEF00"/>
+      </a:accent4>
+      <a:accent5>
+        <a:srgbClr val="24CBE5"/>
+      </a:accent5>
+      <a:accent6>
+        <a:srgbClr val="64E572"/>
+      </a:accent6>
+      <a:hlink>
+        <a:srgbClr val="2200CC"/>
+      </a:hlink>
+      <a:folHlink>
+        <a:srgbClr val="551A8B"/>
+      </a:folHlink>
+    </a:clrScheme>
+    <a:fontScheme name="Office">
+      <a:majorFont>
+        <a:latin typeface="Arial"/>
+        <a:ea typeface=""/>
+        <a:cs typeface=""/>
+        <a:font script="Jpan" typeface="ＭＳ Ｐゴシック"/>
+        <a:font script="Hang" typeface="맑은 고딕"/>
+        <a:font script="Hans" typeface="宋体"/>
+        <a:font script="Hant" typeface="新細明體"/>
+        <a:font script="Arab" typeface="Times New Roman"/>
+        <a:font script="Hebr" typeface="Times New Roman"/>
+        <a:font script="Thai" typeface="Angsana New"/>
+        <a:font script="Ethi" typeface="Nyala"/>
+        <a:font script="Beng" typeface="Vrinda"/>
+        <a:font script="Gujr" typeface="Shruti"/>
+        <a:font script="Khmr" typeface="MoolBoran"/>
+        <a:font script="Knda" typeface="Tunga"/>
+        <a:font script="Guru" typeface="Raavi"/>
+        <a:font script="Cans" typeface="Euphemia"/>
+        <a:font script="Cher" typeface="Plantagenet Cherokee"/>
+        <a:font script="Yiii" typeface="Microsoft Yi Baiti"/>
+        <a:font script="Tibt" typeface="Microsoft Himalaya"/>
+        <a:font script="Thaa" typeface="MV Boli"/>
+        <a:font script="Deva" typeface="Mangal"/>
+        <a:font script="Telu" typeface="Gautami"/>
+        <a:font script="Taml" typeface="Latha"/>
+        <a:font script="Syrc" typeface="Estrangelo Edessa"/>
+        <a:font script="Orya" typeface="Kalinga"/>
+        <a:font script="Mlym" typeface="Kartika"/>
+        <a:font script="Laoo" typeface="DokChampa"/>
+        <a:font script="Sinh" typeface="Iskoola Pota"/>
+        <a:font script="Mong" typeface="Mongolian Baiti"/>
+        <a:font script="Viet" typeface="Times New Roman"/>
+        <a:font script="Uigh" typeface="Microsoft Uighur"/>
+        <a:font script="Geor" typeface="Sylfaen"/>
+      </a:majorFont>
+      <a:minorFont>
+        <a:latin typeface="Arial"/>
+        <a:ea typeface=""/>
+        <a:cs typeface=""/>
+        <a:font script="Jpan" typeface="ＭＳ Ｐゴシック"/>
+        <a:font script="Hang" typeface="맑은 고딕"/>
+        <a:font script="Hans" typeface="宋体"/>
+        <a:font script="Hant" typeface="新細明體"/>
+        <a:font script="Arab" typeface="Arial"/>
+        <a:font script="Hebr" typeface="Arial"/>
+        <a:font script="Thai" typeface="Cordia New"/>
+        <a:font script="Ethi" typeface="Nyala"/>
+        <a:font script="Beng" typeface="Vrinda"/>
+        <a:font script="Gujr" typeface="Shruti"/>
+        <a:font script="Khmr" typeface="DaunPenh"/>
+        <a:font script="Knda" typeface="Tunga"/>
+        <a:font script="Guru" typeface="Raavi"/>
+        <a:font script="Cans" typeface="Euphemia"/>
+        <a:font script="Cher" typeface="Plantagenet Cherokee"/>
+        <a:font script="Yiii" typeface="Microsoft Yi Baiti"/>
+        <a:font script="Tibt" typeface="Microsoft Himalaya"/>
+        <a:font script="Thaa" typeface="MV Boli"/>
+        <a:font script="Deva" typeface="Mangal"/>
+        <a:font script="Telu" typeface="Gautami"/>
+        <a:font script="Taml" typeface="Latha"/>
+        <a:font script="Syrc" typeface="Estrangelo Edessa"/>
+        <a:font script="Orya" typeface="Kalinga"/>
+        <a:font script="Mlym" typeface="Kartika"/>
+        <a:font script="Laoo" typeface="DokChampa"/>
+        <a:font script="Sinh" typeface="Iskoola Pota"/>
+        <a:font script="Mong" typeface="Mongolian Baiti"/>
+        <a:font script="Viet" typeface="Arial"/>
+        <a:font script="Uigh" typeface="Microsoft Uighur"/>
+        <a:font script="Geor" typeface="Sylfaen"/>
+      </a:minorFont>
+    </a:fontScheme>
+    <a:fmtScheme name="Office">
+      <a:fillStyleLst>
+        <a:solidFill>
+          <a:schemeClr val="phClr"/>
+        </a:solidFill>
+        <a:gradFill rotWithShape="1">
+          <a:gsLst>
+            <a:gs pos="0">
+              <a:schemeClr val="phClr">
+                <a:tint val="50000"/>
+                <a:satMod val="300000"/>
+              </a:schemeClr>
+            </a:gs>
+            <a:gs pos="35000">
+              <a:schemeClr val="phClr">
+                <a:tint val="37000"/>
+                <a:satMod val="300000"/>
+              </a:schemeClr>
+            </a:gs>
+            <a:gs pos="100000">
+              <a:schemeClr val="phClr">
+                <a:tint val="15000"/>
+                <a:satMod val="350000"/>
+              </a:schemeClr>
+            </a:gs>
+          </a:gsLst>
+          <a:lin ang="16200000" scaled="1"/>
+        </a:gradFill>
+        <a:gradFill rotWithShape="1">
+          <a:gsLst>
+            <a:gs pos="0">
+              <a:schemeClr val="phClr">
+                <a:tint val="100000"/>
+                <a:shade val="100000"/>
+                <a:satMod val="130000"/>
+              </a:schemeClr>
+            </a:gs>
+            <a:gs pos="100000">
+              <a:schemeClr val="phClr">
+                <a:tint val="50000"/>
+                <a:shade val="100000"/>
+                <a:satMod val="350000"/>
+              </a:schemeClr>
+            </a:gs>
+          </a:gsLst>
+          <a:lin ang="16200000" scaled="0"/>
+        </a:gradFill>
+      </a:fillStyleLst>
+      <a:lnStyleLst>
+        <a:ln w="9525" cap="flat" cmpd="sng" algn="ctr">
+          <a:solidFill>
+            <a:schemeClr val="phClr">
+              <a:shade val="95000"/>
+              <a:satMod val="105000"/>
+            </a:schemeClr>
+          </a:solidFill>
+          <a:prstDash val="solid"/>
+        </a:ln>
+        <a:ln w="25400" cap="flat" cmpd="sng" algn="ctr">
+          <a:solidFill>
+            <a:schemeClr val="phClr"/>
+          </a:solidFill>
+          <a:prstDash val="solid"/>
+        </a:ln>
+        <a:ln w="38100" cap="flat" cmpd="sng" algn="ctr">
+          <a:solidFill>
+            <a:schemeClr val="phClr"/>
+          </a:solidFill>
+          <a:prstDash val="solid"/>
+        </a:ln>
+      </a:lnStyleLst>
+      <a:effectStyleLst>
+        <a:effectStyle>
+          <a:effectLst>
+            <a:outerShdw blurRad="40000" dist="20000" dir="5400000" rotWithShape="0">
+              <a:srgbClr val="000000">
+                <a:alpha val="38000"/>
+              </a:srgbClr>
+            </a:outerShdw>
+          </a:effectLst>
+        </a:effectStyle>
+        <a:effectStyle>
+          <a:effectLst>
+            <a:outerShdw blurRad="40000" dist="23000" dir="5400000" rotWithShape="0">
+              <a:srgbClr val="000000">
+                <a:alpha val="35000"/>
+              </a:srgbClr>
+            </a:outerShdw>
+          </a:effectLst>
+        </a:effectStyle>
+        <a:effectStyle>
+          <a:effectLst>
+            <a:outerShdw blurRad="40000" dist="23000" dir="5400000" rotWithShape="0">
+              <a:srgbClr val="000000">
+                <a:alpha val="35000"/>
+              </a:srgbClr>
+            </a:outerShdw>
+          </a:effectLst>
+          <a:scene3d>
+            <a:camera prst="orthographicFront">
+              <a:rot lat="0" lon="0" rev="0"/>
+            </a:camera>
+            <a:lightRig rig="threePt" dir="t">
+              <a:rot lat="0" lon="0" rev="1200000"/>
+            </a:lightRig>
+          </a:scene3d>
+          <a:sp3d>
+            <a:bevelT w="63500" h="25400"/>
+          </a:sp3d>
+        </a:effectStyle>
+      </a:effectStyleLst>
+      <a:bgFillStyleLst>
+        <a:solidFill>
+          <a:schemeClr val="phClr"/>
+        </a:solidFill>
+        <a:gradFill rotWithShape="1">
+          <a:gsLst>
+            <a:gs pos="0">
+              <a:schemeClr val="phClr">
+                <a:tint val="40000"/>
+                <a:satMod val="350000"/>
+              </a:schemeClr>
+            </a:gs>
+            <a:gs pos="40000">
+              <a:schemeClr val="phClr">
+                <a:tint val="45000"/>
+                <a:shade val="99000"/>
+                <a:satMod val="350000"/>
+              </a:schemeClr>
+            </a:gs>
+            <a:gs pos="100000">
+              <a:schemeClr val="phClr">
+                <a:shade val="20000"/>
+                <a:satMod val="255000"/>
+              </a:schemeClr>
+            </a:gs>
+          </a:gsLst>
+          <a:path path="circle">
+            <a:fillToRect l="50000" t="-80000" r="50000" b="180000"/>
+          </a:path>
+        </a:gradFill>
+        <a:gradFill rotWithShape="1">
+          <a:gsLst>
+            <a:gs pos="0">
+              <a:schemeClr val="phClr">
+                <a:tint val="80000"/>
+                <a:satMod val="300000"/>
+              </a:schemeClr>
+            </a:gs>
+            <a:gs pos="100000">
+              <a:schemeClr val="phClr">
+                <a:shade val="30000"/>
+                <a:satMod val="200000"/>
+              </a:schemeClr>
+            </a:gs>
+          </a:gsLst>
+          <a:path path="circle">
+            <a:fillToRect l="50000" t="50000" r="50000" b="50000"/>
+          </a:path>
+        </a:gradFill>
+      </a:bgFillStyleLst>
+    </a:fmtScheme>
+  </a:themeElements>
+</a:theme>
+</file>
+
+<file path=ppt/theme/theme3.xml><?xml version="1.0" encoding="utf-8"?>
 <a:theme xmlns:a="http://schemas.openxmlformats.org/drawingml/2006/main" xmlns:r="http://schemas.openxmlformats.org/officeDocument/2006/relationships" name="3_Office Theme">
   <a:themeElements>
     <a:clrScheme name="Nova">
@@ -14988,7 +16031,7 @@
 </a:theme>
 </file>
 
-<file path=ppt/theme/theme2.xml><?xml version="1.0" encoding="utf-8"?>
+<file path=ppt/theme/theme4.xml><?xml version="1.0" encoding="utf-8"?>
 <a:theme xmlns:a="http://schemas.openxmlformats.org/drawingml/2006/main" xmlns:r="http://schemas.openxmlformats.org/officeDocument/2006/relationships" name="3_Office Theme">
   <a:themeElements>
     <a:clrScheme name="Nova">
@@ -15265,562 +16308,4 @@
     </a:fmtScheme>
   </a:themeElements>
 </a:theme>
-</file>
-
-<file path=ppt/theme/theme3.xml><?xml version="1.0" encoding="utf-8"?>
-<a:theme xmlns:a="http://schemas.openxmlformats.org/drawingml/2006/main" xmlns:r="http://schemas.openxmlformats.org/officeDocument/2006/relationships" name="Simple Light">
-  <a:themeElements>
-    <a:clrScheme name="Simple Light">
-      <a:dk1>
-        <a:srgbClr val="000000"/>
-      </a:dk1>
-      <a:lt1>
-        <a:srgbClr val="FFFFFF"/>
-      </a:lt1>
-      <a:dk2>
-        <a:srgbClr val="595959"/>
-      </a:dk2>
-      <a:lt2>
-        <a:srgbClr val="EEEEEE"/>
-      </a:lt2>
-      <a:accent1>
-        <a:srgbClr val="4285F4"/>
-      </a:accent1>
-      <a:accent2>
-        <a:srgbClr val="212121"/>
-      </a:accent2>
-      <a:accent3>
-        <a:srgbClr val="78909C"/>
-      </a:accent3>
-      <a:accent4>
-        <a:srgbClr val="FFAB40"/>
-      </a:accent4>
-      <a:accent5>
-        <a:srgbClr val="0097A7"/>
-      </a:accent5>
-      <a:accent6>
-        <a:srgbClr val="EEFF41"/>
-      </a:accent6>
-      <a:hlink>
-        <a:srgbClr val="0097A7"/>
-      </a:hlink>
-      <a:folHlink>
-        <a:srgbClr val="0097A7"/>
-      </a:folHlink>
-    </a:clrScheme>
-    <a:fontScheme name="Office">
-      <a:majorFont>
-        <a:latin typeface="Arial"/>
-        <a:ea typeface=""/>
-        <a:cs typeface=""/>
-        <a:font script="Jpan" typeface="ＭＳ Ｐゴシック"/>
-        <a:font script="Hang" typeface="맑은 고딕"/>
-        <a:font script="Hans" typeface="宋体"/>
-        <a:font script="Hant" typeface="新細明體"/>
-        <a:font script="Arab" typeface="Times New Roman"/>
-        <a:font script="Hebr" typeface="Times New Roman"/>
-        <a:font script="Thai" typeface="Angsana New"/>
-        <a:font script="Ethi" typeface="Nyala"/>
-        <a:font script="Beng" typeface="Vrinda"/>
-        <a:font script="Gujr" typeface="Shruti"/>
-        <a:font script="Khmr" typeface="MoolBoran"/>
-        <a:font script="Knda" typeface="Tunga"/>
-        <a:font script="Guru" typeface="Raavi"/>
-        <a:font script="Cans" typeface="Euphemia"/>
-        <a:font script="Cher" typeface="Plantagenet Cherokee"/>
-        <a:font script="Yiii" typeface="Microsoft Yi Baiti"/>
-        <a:font script="Tibt" typeface="Microsoft Himalaya"/>
-        <a:font script="Thaa" typeface="MV Boli"/>
-        <a:font script="Deva" typeface="Mangal"/>
-        <a:font script="Telu" typeface="Gautami"/>
-        <a:font script="Taml" typeface="Latha"/>
-        <a:font script="Syrc" typeface="Estrangelo Edessa"/>
-        <a:font script="Orya" typeface="Kalinga"/>
-        <a:font script="Mlym" typeface="Kartika"/>
-        <a:font script="Laoo" typeface="DokChampa"/>
-        <a:font script="Sinh" typeface="Iskoola Pota"/>
-        <a:font script="Mong" typeface="Mongolian Baiti"/>
-        <a:font script="Viet" typeface="Times New Roman"/>
-        <a:font script="Uigh" typeface="Microsoft Uighur"/>
-        <a:font script="Geor" typeface="Sylfaen"/>
-      </a:majorFont>
-      <a:minorFont>
-        <a:latin typeface="Arial"/>
-        <a:ea typeface=""/>
-        <a:cs typeface=""/>
-        <a:font script="Jpan" typeface="ＭＳ Ｐゴシック"/>
-        <a:font script="Hang" typeface="맑은 고딕"/>
-        <a:font script="Hans" typeface="宋体"/>
-        <a:font script="Hant" typeface="新細明體"/>
-        <a:font script="Arab" typeface="Arial"/>
-        <a:font script="Hebr" typeface="Arial"/>
-        <a:font script="Thai" typeface="Cordia New"/>
-        <a:font script="Ethi" typeface="Nyala"/>
-        <a:font script="Beng" typeface="Vrinda"/>
-        <a:font script="Gujr" typeface="Shruti"/>
-        <a:font script="Khmr" typeface="DaunPenh"/>
-        <a:font script="Knda" typeface="Tunga"/>
-        <a:font script="Guru" typeface="Raavi"/>
-        <a:font script="Cans" typeface="Euphemia"/>
-        <a:font script="Cher" typeface="Plantagenet Cherokee"/>
-        <a:font script="Yiii" typeface="Microsoft Yi Baiti"/>
-        <a:font script="Tibt" typeface="Microsoft Himalaya"/>
-        <a:font script="Thaa" typeface="MV Boli"/>
-        <a:font script="Deva" typeface="Mangal"/>
-        <a:font script="Telu" typeface="Gautami"/>
-        <a:font script="Taml" typeface="Latha"/>
-        <a:font script="Syrc" typeface="Estrangelo Edessa"/>
-        <a:font script="Orya" typeface="Kalinga"/>
-        <a:font script="Mlym" typeface="Kartika"/>
-        <a:font script="Laoo" typeface="DokChampa"/>
-        <a:font script="Sinh" typeface="Iskoola Pota"/>
-        <a:font script="Mong" typeface="Mongolian Baiti"/>
-        <a:font script="Viet" typeface="Arial"/>
-        <a:font script="Uigh" typeface="Microsoft Uighur"/>
-        <a:font script="Geor" typeface="Sylfaen"/>
-      </a:minorFont>
-    </a:fontScheme>
-    <a:fmtScheme name="Office">
-      <a:fillStyleLst>
-        <a:solidFill>
-          <a:schemeClr val="phClr"/>
-        </a:solidFill>
-        <a:gradFill rotWithShape="1">
-          <a:gsLst>
-            <a:gs pos="0">
-              <a:schemeClr val="phClr">
-                <a:tint val="50000"/>
-                <a:satMod val="300000"/>
-              </a:schemeClr>
-            </a:gs>
-            <a:gs pos="35000">
-              <a:schemeClr val="phClr">
-                <a:tint val="37000"/>
-                <a:satMod val="300000"/>
-              </a:schemeClr>
-            </a:gs>
-            <a:gs pos="100000">
-              <a:schemeClr val="phClr">
-                <a:tint val="15000"/>
-                <a:satMod val="350000"/>
-              </a:schemeClr>
-            </a:gs>
-          </a:gsLst>
-          <a:lin ang="16200000" scaled="1"/>
-        </a:gradFill>
-        <a:gradFill rotWithShape="1">
-          <a:gsLst>
-            <a:gs pos="0">
-              <a:schemeClr val="phClr">
-                <a:tint val="100000"/>
-                <a:shade val="100000"/>
-                <a:satMod val="130000"/>
-              </a:schemeClr>
-            </a:gs>
-            <a:gs pos="100000">
-              <a:schemeClr val="phClr">
-                <a:tint val="50000"/>
-                <a:shade val="100000"/>
-                <a:satMod val="350000"/>
-              </a:schemeClr>
-            </a:gs>
-          </a:gsLst>
-          <a:lin ang="16200000" scaled="0"/>
-        </a:gradFill>
-      </a:fillStyleLst>
-      <a:lnStyleLst>
-        <a:ln w="9525" cap="flat" cmpd="sng" algn="ctr">
-          <a:solidFill>
-            <a:schemeClr val="phClr">
-              <a:shade val="95000"/>
-              <a:satMod val="105000"/>
-            </a:schemeClr>
-          </a:solidFill>
-          <a:prstDash val="solid"/>
-        </a:ln>
-        <a:ln w="25400" cap="flat" cmpd="sng" algn="ctr">
-          <a:solidFill>
-            <a:schemeClr val="phClr"/>
-          </a:solidFill>
-          <a:prstDash val="solid"/>
-        </a:ln>
-        <a:ln w="38100" cap="flat" cmpd="sng" algn="ctr">
-          <a:solidFill>
-            <a:schemeClr val="phClr"/>
-          </a:solidFill>
-          <a:prstDash val="solid"/>
-        </a:ln>
-      </a:lnStyleLst>
-      <a:effectStyleLst>
-        <a:effectStyle>
-          <a:effectLst>
-            <a:outerShdw blurRad="40000" dist="20000" dir="5400000" rotWithShape="0">
-              <a:srgbClr val="000000">
-                <a:alpha val="38000"/>
-              </a:srgbClr>
-            </a:outerShdw>
-          </a:effectLst>
-        </a:effectStyle>
-        <a:effectStyle>
-          <a:effectLst>
-            <a:outerShdw blurRad="40000" dist="23000" dir="5400000" rotWithShape="0">
-              <a:srgbClr val="000000">
-                <a:alpha val="35000"/>
-              </a:srgbClr>
-            </a:outerShdw>
-          </a:effectLst>
-        </a:effectStyle>
-        <a:effectStyle>
-          <a:effectLst>
-            <a:outerShdw blurRad="40000" dist="23000" dir="5400000" rotWithShape="0">
-              <a:srgbClr val="000000">
-                <a:alpha val="35000"/>
-              </a:srgbClr>
-            </a:outerShdw>
-          </a:effectLst>
-          <a:scene3d>
-            <a:camera prst="orthographicFront">
-              <a:rot lat="0" lon="0" rev="0"/>
-            </a:camera>
-            <a:lightRig rig="threePt" dir="t">
-              <a:rot lat="0" lon="0" rev="1200000"/>
-            </a:lightRig>
-          </a:scene3d>
-          <a:sp3d>
-            <a:bevelT w="63500" h="25400"/>
-          </a:sp3d>
-        </a:effectStyle>
-      </a:effectStyleLst>
-      <a:bgFillStyleLst>
-        <a:solidFill>
-          <a:schemeClr val="phClr"/>
-        </a:solidFill>
-        <a:gradFill rotWithShape="1">
-          <a:gsLst>
-            <a:gs pos="0">
-              <a:schemeClr val="phClr">
-                <a:tint val="40000"/>
-                <a:satMod val="350000"/>
-              </a:schemeClr>
-            </a:gs>
-            <a:gs pos="40000">
-              <a:schemeClr val="phClr">
-                <a:tint val="45000"/>
-                <a:shade val="99000"/>
-                <a:satMod val="350000"/>
-              </a:schemeClr>
-            </a:gs>
-            <a:gs pos="100000">
-              <a:schemeClr val="phClr">
-                <a:shade val="20000"/>
-                <a:satMod val="255000"/>
-              </a:schemeClr>
-            </a:gs>
-          </a:gsLst>
-          <a:path path="circle">
-            <a:fillToRect l="50000" t="-80000" r="50000" b="180000"/>
-          </a:path>
-        </a:gradFill>
-        <a:gradFill rotWithShape="1">
-          <a:gsLst>
-            <a:gs pos="0">
-              <a:schemeClr val="phClr">
-                <a:tint val="80000"/>
-                <a:satMod val="300000"/>
-              </a:schemeClr>
-            </a:gs>
-            <a:gs pos="100000">
-              <a:schemeClr val="phClr">
-                <a:shade val="30000"/>
-                <a:satMod val="200000"/>
-              </a:schemeClr>
-            </a:gs>
-          </a:gsLst>
-          <a:path path="circle">
-            <a:fillToRect l="50000" t="50000" r="50000" b="50000"/>
-          </a:path>
-        </a:gradFill>
-      </a:bgFillStyleLst>
-    </a:fmtScheme>
-  </a:themeElements>
-</a:theme>
-</file>
-
-<file path=ppt/theme/theme4.xml><?xml version="1.0" encoding="utf-8"?>
-<a:theme xmlns:a="http://schemas.openxmlformats.org/drawingml/2006/main" xmlns:r="http://schemas.openxmlformats.org/officeDocument/2006/relationships">
-  <a:themeElements>
-    <a:clrScheme name="Default">
-      <a:dk1>
-        <a:srgbClr val="000000"/>
-      </a:dk1>
-      <a:lt1>
-        <a:srgbClr val="FFFFFF"/>
-      </a:lt1>
-      <a:dk2>
-        <a:srgbClr val="158158"/>
-      </a:dk2>
-      <a:lt2>
-        <a:srgbClr val="F3F3F3"/>
-      </a:lt2>
-      <a:accent1>
-        <a:srgbClr val="058DC7"/>
-      </a:accent1>
-      <a:accent2>
-        <a:srgbClr val="50B432"/>
-      </a:accent2>
-      <a:accent3>
-        <a:srgbClr val="ED561B"/>
-      </a:accent3>
-      <a:accent4>
-        <a:srgbClr val="EDEF00"/>
-      </a:accent4>
-      <a:accent5>
-        <a:srgbClr val="24CBE5"/>
-      </a:accent5>
-      <a:accent6>
-        <a:srgbClr val="64E572"/>
-      </a:accent6>
-      <a:hlink>
-        <a:srgbClr val="2200CC"/>
-      </a:hlink>
-      <a:folHlink>
-        <a:srgbClr val="551A8B"/>
-      </a:folHlink>
-    </a:clrScheme>
-    <a:fontScheme name="Office">
-      <a:majorFont>
-        <a:latin typeface="Arial"/>
-        <a:ea typeface=""/>
-        <a:cs typeface=""/>
-        <a:font script="Jpan" typeface="ＭＳ Ｐゴシック"/>
-        <a:font script="Hang" typeface="맑은 고딕"/>
-        <a:font script="Hans" typeface="宋体"/>
-        <a:font script="Hant" typeface="新細明體"/>
-        <a:font script="Arab" typeface="Times New Roman"/>
-        <a:font script="Hebr" typeface="Times New Roman"/>
-        <a:font script="Thai" typeface="Angsana New"/>
-        <a:font script="Ethi" typeface="Nyala"/>
-        <a:font script="Beng" typeface="Vrinda"/>
-        <a:font script="Gujr" typeface="Shruti"/>
-        <a:font script="Khmr" typeface="MoolBoran"/>
-        <a:font script="Knda" typeface="Tunga"/>
-        <a:font script="Guru" typeface="Raavi"/>
-        <a:font script="Cans" typeface="Euphemia"/>
-        <a:font script="Cher" typeface="Plantagenet Cherokee"/>
-        <a:font script="Yiii" typeface="Microsoft Yi Baiti"/>
-        <a:font script="Tibt" typeface="Microsoft Himalaya"/>
-        <a:font script="Thaa" typeface="MV Boli"/>
-        <a:font script="Deva" typeface="Mangal"/>
-        <a:font script="Telu" typeface="Gautami"/>
-        <a:font script="Taml" typeface="Latha"/>
-        <a:font script="Syrc" typeface="Estrangelo Edessa"/>
-        <a:font script="Orya" typeface="Kalinga"/>
-        <a:font script="Mlym" typeface="Kartika"/>
-        <a:font script="Laoo" typeface="DokChampa"/>
-        <a:font script="Sinh" typeface="Iskoola Pota"/>
-        <a:font script="Mong" typeface="Mongolian Baiti"/>
-        <a:font script="Viet" typeface="Times New Roman"/>
-        <a:font script="Uigh" typeface="Microsoft Uighur"/>
-        <a:font script="Geor" typeface="Sylfaen"/>
-      </a:majorFont>
-      <a:minorFont>
-        <a:latin typeface="Arial"/>
-        <a:ea typeface=""/>
-        <a:cs typeface=""/>
-        <a:font script="Jpan" typeface="ＭＳ Ｐゴシック"/>
-        <a:font script="Hang" typeface="맑은 고딕"/>
-        <a:font script="Hans" typeface="宋体"/>
-        <a:font script="Hant" typeface="新細明體"/>
-        <a:font script="Arab" typeface="Arial"/>
-        <a:font script="Hebr" typeface="Arial"/>
-        <a:font script="Thai" typeface="Cordia New"/>
-        <a:font script="Ethi" typeface="Nyala"/>
-        <a:font script="Beng" typeface="Vrinda"/>
-        <a:font script="Gujr" typeface="Shruti"/>
-        <a:font script="Khmr" typeface="DaunPenh"/>
-        <a:font script="Knda" typeface="Tunga"/>
-        <a:font script="Guru" typeface="Raavi"/>
-        <a:font script="Cans" typeface="Euphemia"/>
-        <a:font script="Cher" typeface="Plantagenet Cherokee"/>
-        <a:font script="Yiii" typeface="Microsoft Yi Baiti"/>
-        <a:font script="Tibt" typeface="Microsoft Himalaya"/>
-        <a:font script="Thaa" typeface="MV Boli"/>
-        <a:font script="Deva" typeface="Mangal"/>
-        <a:font script="Telu" typeface="Gautami"/>
-        <a:font script="Taml" typeface="Latha"/>
-        <a:font script="Syrc" typeface="Estrangelo Edessa"/>
-        <a:font script="Orya" typeface="Kalinga"/>
-        <a:font script="Mlym" typeface="Kartika"/>
-        <a:font script="Laoo" typeface="DokChampa"/>
-        <a:font script="Sinh" typeface="Iskoola Pota"/>
-        <a:font script="Mong" typeface="Mongolian Baiti"/>
-        <a:font script="Viet" typeface="Arial"/>
-        <a:font script="Uigh" typeface="Microsoft Uighur"/>
-        <a:font script="Geor" typeface="Sylfaen"/>
-      </a:minorFont>
-    </a:fontScheme>
-    <a:fmtScheme name="Office">
-      <a:fillStyleLst>
-        <a:solidFill>
-          <a:schemeClr val="phClr"/>
-        </a:solidFill>
-        <a:gradFill rotWithShape="1">
-          <a:gsLst>
-            <a:gs pos="0">
-              <a:schemeClr val="phClr">
-                <a:tint val="50000"/>
-                <a:satMod val="300000"/>
-              </a:schemeClr>
-            </a:gs>
-            <a:gs pos="35000">
-              <a:schemeClr val="phClr">
-                <a:tint val="37000"/>
-                <a:satMod val="300000"/>
-              </a:schemeClr>
-            </a:gs>
-            <a:gs pos="100000">
-              <a:schemeClr val="phClr">
-                <a:tint val="15000"/>
-                <a:satMod val="350000"/>
-              </a:schemeClr>
-            </a:gs>
-          </a:gsLst>
-          <a:lin ang="16200000" scaled="1"/>
-        </a:gradFill>
-        <a:gradFill rotWithShape="1">
-          <a:gsLst>
-            <a:gs pos="0">
-              <a:schemeClr val="phClr">
-                <a:tint val="100000"/>
-                <a:shade val="100000"/>
-                <a:satMod val="130000"/>
-              </a:schemeClr>
-            </a:gs>
-            <a:gs pos="100000">
-              <a:schemeClr val="phClr">
-                <a:tint val="50000"/>
-                <a:shade val="100000"/>
-                <a:satMod val="350000"/>
-              </a:schemeClr>
-            </a:gs>
-          </a:gsLst>
-          <a:lin ang="16200000" scaled="0"/>
-        </a:gradFill>
-      </a:fillStyleLst>
-      <a:lnStyleLst>
-        <a:ln w="9525" cap="flat" cmpd="sng" algn="ctr">
-          <a:solidFill>
-            <a:schemeClr val="phClr">
-              <a:shade val="95000"/>
-              <a:satMod val="105000"/>
-            </a:schemeClr>
-          </a:solidFill>
-          <a:prstDash val="solid"/>
-        </a:ln>
-        <a:ln w="25400" cap="flat" cmpd="sng" algn="ctr">
-          <a:solidFill>
-            <a:schemeClr val="phClr"/>
-          </a:solidFill>
-          <a:prstDash val="solid"/>
-        </a:ln>
-        <a:ln w="38100" cap="flat" cmpd="sng" algn="ctr">
-          <a:solidFill>
-            <a:schemeClr val="phClr"/>
-          </a:solidFill>
-          <a:prstDash val="solid"/>
-        </a:ln>
-      </a:lnStyleLst>
-      <a:effectStyleLst>
-        <a:effectStyle>
-          <a:effectLst>
-            <a:outerShdw blurRad="40000" dist="20000" dir="5400000" rotWithShape="0">
-              <a:srgbClr val="000000">
-                <a:alpha val="38000"/>
-              </a:srgbClr>
-            </a:outerShdw>
-          </a:effectLst>
-        </a:effectStyle>
-        <a:effectStyle>
-          <a:effectLst>
-            <a:outerShdw blurRad="40000" dist="23000" dir="5400000" rotWithShape="0">
-              <a:srgbClr val="000000">
-                <a:alpha val="35000"/>
-              </a:srgbClr>
-            </a:outerShdw>
-          </a:effectLst>
-        </a:effectStyle>
-        <a:effectStyle>
-          <a:effectLst>
-            <a:outerShdw blurRad="40000" dist="23000" dir="5400000" rotWithShape="0">
-              <a:srgbClr val="000000">
-                <a:alpha val="35000"/>
-              </a:srgbClr>
-            </a:outerShdw>
-          </a:effectLst>
-          <a:scene3d>
-            <a:camera prst="orthographicFront">
-              <a:rot lat="0" lon="0" rev="0"/>
-            </a:camera>
-            <a:lightRig rig="threePt" dir="t">
-              <a:rot lat="0" lon="0" rev="1200000"/>
-            </a:lightRig>
-          </a:scene3d>
-          <a:sp3d>
-            <a:bevelT w="63500" h="25400"/>
-          </a:sp3d>
-        </a:effectStyle>
-      </a:effectStyleLst>
-      <a:bgFillStyleLst>
-        <a:solidFill>
-          <a:schemeClr val="phClr"/>
-        </a:solidFill>
-        <a:gradFill rotWithShape="1">
-          <a:gsLst>
-            <a:gs pos="0">
-              <a:schemeClr val="phClr">
-                <a:tint val="40000"/>
-                <a:satMod val="350000"/>
-              </a:schemeClr>
-            </a:gs>
-            <a:gs pos="40000">
-              <a:schemeClr val="phClr">
-                <a:tint val="45000"/>
-                <a:shade val="99000"/>
-                <a:satMod val="350000"/>
-              </a:schemeClr>
-            </a:gs>
-            <a:gs pos="100000">
-              <a:schemeClr val="phClr">
-                <a:shade val="20000"/>
-                <a:satMod val="255000"/>
-              </a:schemeClr>
-            </a:gs>
-          </a:gsLst>
-          <a:path path="circle">
-            <a:fillToRect l="50000" t="-80000" r="50000" b="180000"/>
-          </a:path>
-        </a:gradFill>
-        <a:gradFill rotWithShape="1">
-          <a:gsLst>
-            <a:gs pos="0">
-              <a:schemeClr val="phClr">
-                <a:tint val="80000"/>
-                <a:satMod val="300000"/>
-              </a:schemeClr>
-            </a:gs>
-            <a:gs pos="100000">
-              <a:schemeClr val="phClr">
-                <a:shade val="30000"/>
-                <a:satMod val="200000"/>
-              </a:schemeClr>
-            </a:gs>
-          </a:gsLst>
-          <a:path path="circle">
-            <a:fillToRect l="50000" t="50000" r="50000" b="50000"/>
-          </a:path>
-        </a:gradFill>
-      </a:bgFillStyleLst>
-    </a:fmtScheme>
-  </a:themeElements>
-</a:theme>
 </file>